--- a/app.xml总结.pptx
+++ b/app.xml总结.pptx
@@ -15,7 +15,11 @@
     <p:sldId id="258" r:id="rId8"/>
     <p:sldId id="264" r:id="rId9"/>
     <p:sldId id="271" r:id="rId10"/>
-    <p:sldId id="262" r:id="rId11"/>
+    <p:sldId id="273" r:id="rId11"/>
+    <p:sldId id="275" r:id="rId12"/>
+    <p:sldId id="274" r:id="rId13"/>
+    <p:sldId id="276" r:id="rId14"/>
+    <p:sldId id="262" r:id="rId15"/>
   </p:sldIdLst>
   <p:sldSz cx="12192000" cy="6858000"/>
   <p:notesSz cx="7103745" cy="10234295"/>
@@ -897,6 +901,172 @@
 </file>
 
 <file path=ppt/notesSlides/notesSlide6.xml><?xml version="1.0" encoding="utf-8"?>
+<p:notes xmlns:a="http://schemas.openxmlformats.org/drawingml/2006/main" xmlns:r="http://schemas.openxmlformats.org/officeDocument/2006/relationships" xmlns:p="http://schemas.openxmlformats.org/presentationml/2006/main">
+  <p:cSld>
+    <p:spTree>
+      <p:nvGrpSpPr>
+        <p:cNvPr id="1" name=""/>
+        <p:cNvGrpSpPr/>
+        <p:nvPr/>
+      </p:nvGrpSpPr>
+      <p:grpSpPr>
+        <a:xfrm>
+          <a:off x="0" y="0"/>
+          <a:ext cx="0" cy="0"/>
+          <a:chOff x="0" y="0"/>
+          <a:chExt cx="0" cy="0"/>
+        </a:xfrm>
+      </p:grpSpPr>
+      <p:sp>
+        <p:nvSpPr>
+          <p:cNvPr id="2" name="幻灯片图像占位符 1"/>
+          <p:cNvSpPr>
+            <a:spLocks noGrp="1" noRot="1" noChangeAspect="1"/>
+          </p:cNvSpPr>
+          <p:nvPr>
+            <p:ph type="sldImg"/>
+          </p:nvPr>
+        </p:nvSpPr>
+        <p:spPr/>
+      </p:sp>
+      <p:sp>
+        <p:nvSpPr>
+          <p:cNvPr id="3" name="备注占位符 2"/>
+          <p:cNvSpPr>
+            <a:spLocks noGrp="1"/>
+          </p:cNvSpPr>
+          <p:nvPr>
+            <p:ph type="body" idx="1"/>
+          </p:nvPr>
+        </p:nvSpPr>
+        <p:spPr/>
+        <p:txBody>
+          <a:bodyPr/>
+          <a:lstStyle/>
+          <a:p>
+            <a:endParaRPr lang="zh-CN" altLang="en-US"/>
+          </a:p>
+        </p:txBody>
+      </p:sp>
+      <p:sp>
+        <p:nvSpPr>
+          <p:cNvPr id="4" name="灯片编号占位符 3"/>
+          <p:cNvSpPr>
+            <a:spLocks noGrp="1"/>
+          </p:cNvSpPr>
+          <p:nvPr>
+            <p:ph type="sldNum" sz="quarter" idx="10"/>
+          </p:nvPr>
+        </p:nvSpPr>
+        <p:spPr/>
+        <p:txBody>
+          <a:bodyPr/>
+          <a:lstStyle/>
+          <a:p>
+            <a:fld id="{4A2B3AD1-FCB7-43D8-924A-C182C0F1EA44}" type="slidenum">
+              <a:rPr lang="zh-CN" altLang="en-US" smtClean="0"/>
+            </a:fld>
+            <a:endParaRPr lang="zh-CN" altLang="en-US"/>
+          </a:p>
+        </p:txBody>
+      </p:sp>
+    </p:spTree>
+  </p:cSld>
+  <p:clrMapOvr>
+    <a:masterClrMapping/>
+  </p:clrMapOvr>
+</p:notes>
+</file>
+
+<file path=ppt/notesSlides/notesSlide7.xml><?xml version="1.0" encoding="utf-8"?>
+<p:notes xmlns:a="http://schemas.openxmlformats.org/drawingml/2006/main" xmlns:r="http://schemas.openxmlformats.org/officeDocument/2006/relationships" xmlns:p="http://schemas.openxmlformats.org/presentationml/2006/main">
+  <p:cSld>
+    <p:spTree>
+      <p:nvGrpSpPr>
+        <p:cNvPr id="1" name=""/>
+        <p:cNvGrpSpPr/>
+        <p:nvPr/>
+      </p:nvGrpSpPr>
+      <p:grpSpPr/>
+      <p:sp>
+        <p:nvSpPr>
+          <p:cNvPr id="2" name="幻灯片图像占位符 1"/>
+          <p:cNvSpPr/>
+          <p:nvPr>
+            <p:ph type="sldImg" idx="2"/>
+          </p:nvPr>
+        </p:nvSpPr>
+        <p:spPr/>
+      </p:sp>
+      <p:sp>
+        <p:nvSpPr>
+          <p:cNvPr id="3" name="文本占位符 2"/>
+          <p:cNvSpPr/>
+          <p:nvPr>
+            <p:ph type="body" idx="3"/>
+          </p:nvPr>
+        </p:nvSpPr>
+        <p:spPr/>
+        <p:txBody>
+          <a:bodyPr/>
+          <a:p>
+            <a:endParaRPr lang="zh-CN" altLang="en-US"/>
+          </a:p>
+        </p:txBody>
+      </p:sp>
+    </p:spTree>
+  </p:cSld>
+  <p:clrMapOvr>
+    <a:masterClrMapping/>
+  </p:clrMapOvr>
+</p:notes>
+</file>
+
+<file path=ppt/notesSlides/notesSlide8.xml><?xml version="1.0" encoding="utf-8"?>
+<p:notes xmlns:a="http://schemas.openxmlformats.org/drawingml/2006/main" xmlns:r="http://schemas.openxmlformats.org/officeDocument/2006/relationships" xmlns:p="http://schemas.openxmlformats.org/presentationml/2006/main">
+  <p:cSld>
+    <p:spTree>
+      <p:nvGrpSpPr>
+        <p:cNvPr id="1" name=""/>
+        <p:cNvGrpSpPr/>
+        <p:nvPr/>
+      </p:nvGrpSpPr>
+      <p:grpSpPr/>
+      <p:sp>
+        <p:nvSpPr>
+          <p:cNvPr id="2" name="幻灯片图像占位符 1"/>
+          <p:cNvSpPr/>
+          <p:nvPr>
+            <p:ph type="sldImg" idx="2"/>
+          </p:nvPr>
+        </p:nvSpPr>
+        <p:spPr/>
+      </p:sp>
+      <p:sp>
+        <p:nvSpPr>
+          <p:cNvPr id="3" name="文本占位符 2"/>
+          <p:cNvSpPr/>
+          <p:nvPr>
+            <p:ph type="body" idx="3"/>
+          </p:nvPr>
+        </p:nvSpPr>
+        <p:spPr/>
+        <p:txBody>
+          <a:bodyPr/>
+          <a:p>
+            <a:endParaRPr lang="zh-CN" altLang="en-US"/>
+          </a:p>
+        </p:txBody>
+      </p:sp>
+    </p:spTree>
+  </p:cSld>
+  <p:clrMapOvr>
+    <a:masterClrMapping/>
+  </p:clrMapOvr>
+</p:notes>
+</file>
+
+<file path=ppt/notesSlides/notesSlide9.xml><?xml version="1.0" encoding="utf-8"?>
 <p:notes xmlns:a="http://schemas.openxmlformats.org/drawingml/2006/main" xmlns:r="http://schemas.openxmlformats.org/officeDocument/2006/relationships" xmlns:p="http://schemas.openxmlformats.org/presentationml/2006/main">
   <p:cSld>
     <p:spTree>
@@ -6889,6 +7059,150 @@
 </p:sld>
 </file>
 
+<file path=ppt/slides/slide10.xml><?xml version="1.0" encoding="utf-8"?>
+<p:sld xmlns:a="http://schemas.openxmlformats.org/drawingml/2006/main" xmlns:r="http://schemas.openxmlformats.org/officeDocument/2006/relationships" xmlns:p="http://schemas.openxmlformats.org/presentationml/2006/main">
+  <p:cSld>
+    <p:spTree>
+      <p:nvGrpSpPr>
+        <p:cNvPr id="1" name=""/>
+        <p:cNvGrpSpPr/>
+        <p:nvPr/>
+      </p:nvGrpSpPr>
+      <p:grpSpPr/>
+      <p:sp>
+        <p:nvSpPr>
+          <p:cNvPr id="2" name="标题 1"/>
+          <p:cNvSpPr>
+            <a:spLocks noGrp="1"/>
+          </p:cNvSpPr>
+          <p:nvPr>
+            <p:ph type="title"/>
+          </p:nvPr>
+        </p:nvSpPr>
+        <p:spPr/>
+        <p:txBody>
+          <a:bodyPr/>
+          <a:p>
+            <a:r>
+              <a:rPr lang="zh-CN" altLang="en-US"/>
+              <a:t>context:property-placeholder</a:t>
+            </a:r>
+            <a:endParaRPr lang="zh-CN" altLang="en-US"/>
+          </a:p>
+        </p:txBody>
+      </p:sp>
+      <p:sp>
+        <p:nvSpPr>
+          <p:cNvPr id="3" name="内容占位符 2"/>
+          <p:cNvSpPr>
+            <a:spLocks noGrp="1"/>
+          </p:cNvSpPr>
+          <p:nvPr>
+            <p:ph idx="1"/>
+          </p:nvPr>
+        </p:nvSpPr>
+        <p:spPr/>
+        <p:txBody>
+          <a:bodyPr/>
+          <a:p>
+            <a:r>
+              <a:rPr lang="zh-CN" altLang="en-US"/>
+              <a:t>作用？</a:t>
+            </a:r>
+            <a:r>
+              <a:rPr lang="en-US" altLang="zh-CN"/>
+              <a:t>	app.properti</a:t>
+            </a:r>
+            <a:endParaRPr lang="en-US" altLang="zh-CN"/>
+          </a:p>
+          <a:p>
+            <a:r>
+              <a:rPr lang="zh-CN" altLang="en-US"/>
+              <a:t>原理？</a:t>
+            </a:r>
+            <a:endParaRPr lang="zh-CN" altLang="en-US"/>
+          </a:p>
+          <a:p>
+            <a:r>
+              <a:rPr lang="zh-CN" altLang="en-US"/>
+              <a:t>演示</a:t>
+            </a:r>
+            <a:endParaRPr lang="zh-CN" altLang="en-US"/>
+          </a:p>
+        </p:txBody>
+      </p:sp>
+    </p:spTree>
+    <p:custDataLst>
+      <p:tags r:id="rId1"/>
+    </p:custDataLst>
+  </p:cSld>
+  <p:clrMapOvr>
+    <a:masterClrMapping/>
+  </p:clrMapOvr>
+</p:sld>
+</file>
+
+<file path=ppt/slides/slide11.xml><?xml version="1.0" encoding="utf-8"?>
+<p:sld xmlns:a="http://schemas.openxmlformats.org/drawingml/2006/main" xmlns:r="http://schemas.openxmlformats.org/officeDocument/2006/relationships" xmlns:p="http://schemas.openxmlformats.org/presentationml/2006/main">
+  <p:cSld>
+    <p:spTree>
+      <p:nvGrpSpPr>
+        <p:cNvPr id="1" name=""/>
+        <p:cNvGrpSpPr/>
+        <p:nvPr/>
+      </p:nvGrpSpPr>
+      <p:grpSpPr>
+        <a:xfrm>
+          <a:off x="0" y="0"/>
+          <a:ext cx="0" cy="0"/>
+          <a:chOff x="0" y="0"/>
+          <a:chExt cx="0" cy="0"/>
+        </a:xfrm>
+      </p:grpSpPr>
+      <p:sp>
+        <p:nvSpPr>
+          <p:cNvPr id="2" name="标题 1"/>
+          <p:cNvSpPr>
+            <a:spLocks noGrp="1"/>
+          </p:cNvSpPr>
+          <p:nvPr>
+            <p:ph type="title"/>
+            <p:custDataLst>
+              <p:tags r:id="rId1"/>
+            </p:custDataLst>
+          </p:nvPr>
+        </p:nvSpPr>
+        <p:spPr/>
+        <p:txBody>
+          <a:bodyPr/>
+          <a:lstStyle/>
+          <a:p>
+            <a:r>
+              <a:rPr lang="en-US" altLang="zh-CN" smtClean="0"/>
+              <a:t>THANKS</a:t>
+            </a:r>
+            <a:endParaRPr lang="en-US" altLang="zh-CN" smtClean="0"/>
+          </a:p>
+        </p:txBody>
+      </p:sp>
+    </p:spTree>
+    <p:custDataLst>
+      <p:tags r:id="rId2"/>
+    </p:custDataLst>
+  </p:cSld>
+  <p:clrMapOvr>
+    <a:masterClrMapping/>
+  </p:clrMapOvr>
+  <p:timing>
+    <p:tnLst>
+      <p:par>
+        <p:cTn id="1" dur="indefinite" restart="never" nodeType="tmRoot"/>
+      </p:par>
+    </p:tnLst>
+  </p:timing>
+</p:sld>
+</file>
+
 <file path=ppt/slides/slide2.xml><?xml version="1.0" encoding="utf-8"?>
 <p:sld xmlns:a="http://schemas.openxmlformats.org/drawingml/2006/main" xmlns:r="http://schemas.openxmlformats.org/officeDocument/2006/relationships" xmlns:p="http://schemas.openxmlformats.org/presentationml/2006/main">
   <p:cSld>
@@ -9116,15 +9430,7 @@
                 <a:ea typeface="+mn-ea"/>
                 <a:sym typeface="+mn-ea"/>
               </a:rPr>
-              <a:t>- </a:t>
-            </a:r>
-            <a:r>
-              <a:rPr lang="en-US" altLang="zh-CN" dirty="0">
-                <a:latin typeface="+mn-lt"/>
-                <a:ea typeface="+mn-ea"/>
-                <a:sym typeface="+mn-ea"/>
-              </a:rPr>
-              <a:t>DTD</a:t>
+              <a:t>- DTD</a:t>
             </a:r>
             <a:endParaRPr lang="en-US" altLang="zh-CN" dirty="0">
               <a:latin typeface="+mn-lt"/>
@@ -9161,13 +9467,7 @@
               <a:rPr lang="zh-CN" altLang="en-US">
                 <a:sym typeface="+mn-ea"/>
               </a:rPr>
-              <a:t>问题：多项目之间如何</a:t>
-            </a:r>
-            <a:r>
-              <a:rPr lang="zh-CN" altLang="en-US">
-                <a:sym typeface="+mn-ea"/>
-              </a:rPr>
-              <a:t>通过</a:t>
+              <a:t>问题：多项目之间如何通过</a:t>
             </a:r>
             <a:r>
               <a:rPr lang="en-US" altLang="zh-CN">
@@ -10081,6 +10381,180 @@
         <p:cNvGrpSpPr/>
         <p:nvPr/>
       </p:nvGrpSpPr>
+      <p:grpSpPr/>
+      <p:sp>
+        <p:nvSpPr>
+          <p:cNvPr id="2" name="标题 1"/>
+          <p:cNvSpPr>
+            <a:spLocks noGrp="1"/>
+          </p:cNvSpPr>
+          <p:nvPr>
+            <p:ph type="title"/>
+          </p:nvPr>
+        </p:nvSpPr>
+        <p:spPr/>
+        <p:txBody>
+          <a:bodyPr>
+            <a:normAutofit/>
+          </a:bodyPr>
+          <a:p>
+            <a:r>
+              <a:rPr lang="en-US" altLang="zh-CN" dirty="0">
+                <a:latin typeface="+mn-lt"/>
+                <a:ea typeface="+mn-ea"/>
+                <a:sym typeface="+mn-ea"/>
+              </a:rPr>
+              <a:t>xml</a:t>
+            </a:r>
+            <a:r>
+              <a:rPr lang="zh-CN" altLang="en-US" dirty="0">
+                <a:latin typeface="+mn-lt"/>
+                <a:ea typeface="+mn-ea"/>
+                <a:sym typeface="+mn-ea"/>
+              </a:rPr>
+              <a:t>介绍 </a:t>
+            </a:r>
+            <a:r>
+              <a:rPr lang="en-US" altLang="zh-CN" dirty="0">
+                <a:latin typeface="+mn-lt"/>
+                <a:ea typeface="+mn-ea"/>
+                <a:sym typeface="+mn-ea"/>
+              </a:rPr>
+              <a:t>- XSD </a:t>
+            </a:r>
+            <a:r>
+              <a:rPr lang="zh-CN" altLang="en-US" dirty="0">
+                <a:latin typeface="+mn-lt"/>
+                <a:ea typeface="+mn-ea"/>
+                <a:sym typeface="+mn-ea"/>
+              </a:rPr>
+              <a:t>的功能</a:t>
+            </a:r>
+            <a:endParaRPr lang="zh-CN" altLang="en-US" dirty="0">
+              <a:latin typeface="+mn-lt"/>
+              <a:ea typeface="+mn-ea"/>
+              <a:sym typeface="+mn-ea"/>
+            </a:endParaRPr>
+          </a:p>
+        </p:txBody>
+      </p:sp>
+      <p:sp>
+        <p:nvSpPr>
+          <p:cNvPr id="3" name="内容占位符 2"/>
+          <p:cNvSpPr>
+            <a:spLocks noGrp="1"/>
+          </p:cNvSpPr>
+          <p:nvPr>
+            <p:ph idx="1"/>
+          </p:nvPr>
+        </p:nvSpPr>
+        <p:spPr/>
+        <p:txBody>
+          <a:bodyPr>
+            <a:normAutofit lnSpcReduction="20000"/>
+          </a:bodyPr>
+          <a:p>
+            <a:pPr marL="0" indent="0">
+              <a:buNone/>
+            </a:pPr>
+            <a:r>
+              <a:rPr lang="zh-CN" altLang="en-US"/>
+              <a:t>XML Schema:</a:t>
+            </a:r>
+            <a:endParaRPr lang="zh-CN" altLang="en-US"/>
+          </a:p>
+          <a:p>
+            <a:pPr marL="0" indent="0">
+              <a:buNone/>
+            </a:pPr>
+            <a:r>
+              <a:rPr lang="zh-CN" altLang="en-US"/>
+              <a:t>• 定义可出现在文档中的元素</a:t>
+            </a:r>
+            <a:endParaRPr lang="zh-CN" altLang="en-US"/>
+          </a:p>
+          <a:p>
+            <a:pPr marL="0" indent="0">
+              <a:buNone/>
+            </a:pPr>
+            <a:r>
+              <a:rPr lang="zh-CN" altLang="en-US"/>
+              <a:t>• 定义可出现在文档中的属性</a:t>
+            </a:r>
+            <a:endParaRPr lang="zh-CN" altLang="en-US"/>
+          </a:p>
+          <a:p>
+            <a:pPr marL="0" indent="0">
+              <a:buNone/>
+            </a:pPr>
+            <a:r>
+              <a:rPr lang="zh-CN" altLang="en-US"/>
+              <a:t>• 定义哪个元素是子元素</a:t>
+            </a:r>
+            <a:endParaRPr lang="zh-CN" altLang="en-US"/>
+          </a:p>
+          <a:p>
+            <a:pPr marL="0" indent="0">
+              <a:buNone/>
+            </a:pPr>
+            <a:r>
+              <a:rPr lang="zh-CN" altLang="en-US"/>
+              <a:t>• 定义子元素的次序</a:t>
+            </a:r>
+            <a:endParaRPr lang="zh-CN" altLang="en-US"/>
+          </a:p>
+          <a:p>
+            <a:pPr marL="0" indent="0">
+              <a:buNone/>
+            </a:pPr>
+            <a:r>
+              <a:rPr lang="zh-CN" altLang="en-US"/>
+              <a:t>• 定义子元素的数目</a:t>
+            </a:r>
+            <a:endParaRPr lang="zh-CN" altLang="en-US"/>
+          </a:p>
+          <a:p>
+            <a:pPr marL="0" indent="0">
+              <a:buNone/>
+            </a:pPr>
+            <a:r>
+              <a:rPr lang="zh-CN" altLang="en-US"/>
+              <a:t>• 定义元素是否为空，或者是否可包含文本</a:t>
+            </a:r>
+            <a:endParaRPr lang="zh-CN" altLang="en-US"/>
+          </a:p>
+          <a:p>
+            <a:pPr marL="0" indent="0">
+              <a:buNone/>
+            </a:pPr>
+            <a:r>
+              <a:rPr lang="zh-CN" altLang="en-US"/>
+              <a:t>• 定义元素和属性的数据类型</a:t>
+            </a:r>
+            <a:endParaRPr lang="zh-CN" altLang="en-US"/>
+          </a:p>
+        </p:txBody>
+      </p:sp>
+    </p:spTree>
+    <p:custDataLst>
+      <p:tags r:id="rId1"/>
+    </p:custDataLst>
+  </p:cSld>
+  <p:clrMapOvr>
+    <a:masterClrMapping/>
+  </p:clrMapOvr>
+</p:sld>
+</file>
+
+<file path=ppt/slides/slide8.xml><?xml version="1.0" encoding="utf-8"?>
+<p:sld xmlns:a="http://schemas.openxmlformats.org/drawingml/2006/main" xmlns:r="http://schemas.openxmlformats.org/officeDocument/2006/relationships" xmlns:p="http://schemas.openxmlformats.org/presentationml/2006/main">
+  <p:cSld>
+    <p:spTree>
+      <p:nvGrpSpPr>
+        <p:cNvPr id="1" name=""/>
+        <p:cNvGrpSpPr/>
+        <p:nvPr/>
+      </p:nvGrpSpPr>
       <p:grpSpPr>
         <a:xfrm>
           <a:off x="0" y="0"/>
@@ -10091,33 +10565,1005 @@
       </p:grpSpPr>
       <p:sp>
         <p:nvSpPr>
-          <p:cNvPr id="2" name="标题 1"/>
-          <p:cNvSpPr>
-            <a:spLocks noGrp="1"/>
-          </p:cNvSpPr>
-          <p:nvPr>
-            <p:ph type="title"/>
+          <p:cNvPr id="29" name="矩形 28"/>
+          <p:cNvSpPr/>
+          <p:nvPr>
             <p:custDataLst>
               <p:tags r:id="rId1"/>
             </p:custDataLst>
           </p:nvPr>
         </p:nvSpPr>
-        <p:spPr/>
-        <p:txBody>
-          <a:bodyPr/>
+        <p:spPr bwMode="auto">
+          <a:xfrm>
+            <a:off x="10091738" y="2220914"/>
+            <a:ext cx="576262" cy="4651375"/>
+          </a:xfrm>
+          <a:prstGeom prst="rect">
+            <a:avLst/>
+          </a:prstGeom>
+          <a:solidFill>
+            <a:schemeClr val="accent1"/>
+          </a:solidFill>
+          <a:ln>
+            <a:noFill/>
+          </a:ln>
+        </p:spPr>
+        <p:style>
+          <a:lnRef idx="2">
+            <a:schemeClr val="accent1">
+              <a:shade val="50000"/>
+            </a:schemeClr>
+          </a:lnRef>
+          <a:fillRef idx="1">
+            <a:schemeClr val="accent1"/>
+          </a:fillRef>
+          <a:effectRef idx="0">
+            <a:schemeClr val="accent1"/>
+          </a:effectRef>
+          <a:fontRef idx="minor">
+            <a:schemeClr val="lt1"/>
+          </a:fontRef>
+        </p:style>
+        <p:txBody>
+          <a:bodyPr anchor="ctr"/>
           <a:lstStyle/>
           <a:p>
-            <a:r>
-              <a:rPr lang="en-US" altLang="zh-CN" smtClean="0"/>
-              <a:t>THANKS</a:t>
-            </a:r>
-            <a:endParaRPr lang="en-US" altLang="zh-CN" smtClean="0"/>
+            <a:pPr algn="ctr">
+              <a:defRPr/>
+            </a:pPr>
+            <a:endParaRPr lang="zh-CN" altLang="en-US">
+              <a:solidFill>
+                <a:prstClr val="white"/>
+              </a:solidFill>
+            </a:endParaRPr>
+          </a:p>
+        </p:txBody>
+      </p:sp>
+      <p:sp>
+        <p:nvSpPr>
+          <p:cNvPr id="2052" name="文本框 99"/>
+          <p:cNvSpPr txBox="1">
+            <a:spLocks noChangeArrowheads="1"/>
+          </p:cNvSpPr>
+          <p:nvPr>
+            <p:custDataLst>
+              <p:tags r:id="rId2"/>
+            </p:custDataLst>
+          </p:nvPr>
+        </p:nvSpPr>
+        <p:spPr bwMode="auto">
+          <a:xfrm>
+            <a:off x="5065713" y="2278063"/>
+            <a:ext cx="4470400" cy="461962"/>
+          </a:xfrm>
+          <a:prstGeom prst="rect">
+            <a:avLst/>
+          </a:prstGeom>
+          <a:noFill/>
+          <a:ln>
+            <a:noFill/>
+          </a:ln>
+          <a:extLst>
+            <a:ext uri="{909E8E84-426E-40DD-AFC4-6F175D3DCCD1}">
+              <a14:hiddenFill xmlns:a14="http://schemas.microsoft.com/office/drawing/2010/main">
+                <a:solidFill>
+                  <a:srgbClr val="FFFFFF"/>
+                </a:solidFill>
+              </a14:hiddenFill>
+            </a:ext>
+            <a:ext uri="{91240B29-F687-4F45-9708-019B960494DF}">
+              <a14:hiddenLine xmlns:a14="http://schemas.microsoft.com/office/drawing/2010/main" w="9525">
+                <a:solidFill>
+                  <a:srgbClr val="000000"/>
+                </a:solidFill>
+                <a:miter lim="800000"/>
+                <a:headEnd/>
+                <a:tailEnd/>
+              </a14:hiddenLine>
+            </a:ext>
+          </a:extLst>
+        </p:spPr>
+        <p:txBody>
+          <a:bodyPr anchor="ctr">
+            <a:normAutofit/>
+          </a:bodyPr>
+          <a:lstStyle>
+            <a:lvl1pPr>
+              <a:defRPr>
+                <a:solidFill>
+                  <a:schemeClr val="tx1"/>
+                </a:solidFill>
+                <a:latin typeface="Calibri" panose="020F0502020204030204" charset="0"/>
+                <a:ea typeface="宋体" panose="02010600030101010101" pitchFamily="2" charset="-122"/>
+              </a:defRPr>
+            </a:lvl1pPr>
+            <a:lvl2pPr marL="742950" indent="-285750">
+              <a:defRPr>
+                <a:solidFill>
+                  <a:schemeClr val="tx1"/>
+                </a:solidFill>
+                <a:latin typeface="Calibri" panose="020F0502020204030204" charset="0"/>
+                <a:ea typeface="宋体" panose="02010600030101010101" pitchFamily="2" charset="-122"/>
+              </a:defRPr>
+            </a:lvl2pPr>
+            <a:lvl3pPr marL="1143000" indent="-228600">
+              <a:defRPr>
+                <a:solidFill>
+                  <a:schemeClr val="tx1"/>
+                </a:solidFill>
+                <a:latin typeface="Calibri" panose="020F0502020204030204" charset="0"/>
+                <a:ea typeface="宋体" panose="02010600030101010101" pitchFamily="2" charset="-122"/>
+              </a:defRPr>
+            </a:lvl3pPr>
+            <a:lvl4pPr marL="1600200" indent="-228600">
+              <a:defRPr>
+                <a:solidFill>
+                  <a:schemeClr val="tx1"/>
+                </a:solidFill>
+                <a:latin typeface="Calibri" panose="020F0502020204030204" charset="0"/>
+                <a:ea typeface="宋体" panose="02010600030101010101" pitchFamily="2" charset="-122"/>
+              </a:defRPr>
+            </a:lvl4pPr>
+            <a:lvl5pPr marL="2057400" indent="-228600">
+              <a:defRPr>
+                <a:solidFill>
+                  <a:schemeClr val="tx1"/>
+                </a:solidFill>
+                <a:latin typeface="Calibri" panose="020F0502020204030204" charset="0"/>
+                <a:ea typeface="宋体" panose="02010600030101010101" pitchFamily="2" charset="-122"/>
+              </a:defRPr>
+            </a:lvl5pPr>
+            <a:lvl6pPr marL="2514600" indent="-228600" eaLnBrk="0" fontAlgn="base" hangingPunct="0">
+              <a:spcBef>
+                <a:spcPct val="0"/>
+              </a:spcBef>
+              <a:spcAft>
+                <a:spcPct val="0"/>
+              </a:spcAft>
+              <a:defRPr>
+                <a:solidFill>
+                  <a:schemeClr val="tx1"/>
+                </a:solidFill>
+                <a:latin typeface="Calibri" panose="020F0502020204030204" charset="0"/>
+                <a:ea typeface="宋体" panose="02010600030101010101" pitchFamily="2" charset="-122"/>
+              </a:defRPr>
+            </a:lvl6pPr>
+            <a:lvl7pPr marL="2971800" indent="-228600" eaLnBrk="0" fontAlgn="base" hangingPunct="0">
+              <a:spcBef>
+                <a:spcPct val="0"/>
+              </a:spcBef>
+              <a:spcAft>
+                <a:spcPct val="0"/>
+              </a:spcAft>
+              <a:defRPr>
+                <a:solidFill>
+                  <a:schemeClr val="tx1"/>
+                </a:solidFill>
+                <a:latin typeface="Calibri" panose="020F0502020204030204" charset="0"/>
+                <a:ea typeface="宋体" panose="02010600030101010101" pitchFamily="2" charset="-122"/>
+              </a:defRPr>
+            </a:lvl7pPr>
+            <a:lvl8pPr marL="3429000" indent="-228600" eaLnBrk="0" fontAlgn="base" hangingPunct="0">
+              <a:spcBef>
+                <a:spcPct val="0"/>
+              </a:spcBef>
+              <a:spcAft>
+                <a:spcPct val="0"/>
+              </a:spcAft>
+              <a:defRPr>
+                <a:solidFill>
+                  <a:schemeClr val="tx1"/>
+                </a:solidFill>
+                <a:latin typeface="Calibri" panose="020F0502020204030204" charset="0"/>
+                <a:ea typeface="宋体" panose="02010600030101010101" pitchFamily="2" charset="-122"/>
+              </a:defRPr>
+            </a:lvl8pPr>
+            <a:lvl9pPr marL="3886200" indent="-228600" eaLnBrk="0" fontAlgn="base" hangingPunct="0">
+              <a:spcBef>
+                <a:spcPct val="0"/>
+              </a:spcBef>
+              <a:spcAft>
+                <a:spcPct val="0"/>
+              </a:spcAft>
+              <a:defRPr>
+                <a:solidFill>
+                  <a:schemeClr val="tx1"/>
+                </a:solidFill>
+                <a:latin typeface="Calibri" panose="020F0502020204030204" charset="0"/>
+                <a:ea typeface="宋体" panose="02010600030101010101" pitchFamily="2" charset="-122"/>
+              </a:defRPr>
+            </a:lvl9pPr>
+          </a:lstStyle>
+          <a:p>
+            <a:r>
+              <a:rPr lang="en-US" altLang="zh-CN" sz="2400" dirty="0">
+                <a:latin typeface="+mn-lt"/>
+                <a:ea typeface="+mn-ea"/>
+              </a:rPr>
+              <a:t>xml</a:t>
+            </a:r>
+            <a:r>
+              <a:rPr lang="zh-CN" altLang="en-US" sz="2400" dirty="0">
+                <a:latin typeface="+mn-lt"/>
+                <a:ea typeface="+mn-ea"/>
+              </a:rPr>
+              <a:t>介绍</a:t>
+            </a:r>
+            <a:endParaRPr lang="zh-CN" altLang="en-US" sz="2400" dirty="0">
+              <a:latin typeface="+mn-lt"/>
+              <a:ea typeface="+mn-ea"/>
+            </a:endParaRPr>
+          </a:p>
+        </p:txBody>
+      </p:sp>
+      <p:sp>
+        <p:nvSpPr>
+          <p:cNvPr id="2056" name="KSO_Shape"/>
+          <p:cNvSpPr/>
+          <p:nvPr>
+            <p:custDataLst>
+              <p:tags r:id="rId3"/>
+            </p:custDataLst>
+          </p:nvPr>
+        </p:nvSpPr>
+        <p:spPr bwMode="auto">
+          <a:xfrm>
+            <a:off x="4511675" y="2311400"/>
+            <a:ext cx="400050" cy="395288"/>
+          </a:xfrm>
+          <a:prstGeom prst="rect">
+            <a:avLst/>
+          </a:prstGeom>
+          <a:solidFill>
+            <a:schemeClr val="accent2"/>
+          </a:solidFill>
+          <a:ln>
+            <a:noFill/>
+          </a:ln>
+        </p:spPr>
+        <p:txBody>
+          <a:bodyPr lIns="0" tIns="0" rIns="0" bIns="0" anchor="ctr"/>
+          <a:lstStyle>
+            <a:lvl1pPr>
+              <a:defRPr>
+                <a:solidFill>
+                  <a:schemeClr val="tx1"/>
+                </a:solidFill>
+                <a:latin typeface="Calibri" panose="020F0502020204030204" charset="0"/>
+                <a:ea typeface="宋体" panose="02010600030101010101" pitchFamily="2" charset="-122"/>
+              </a:defRPr>
+            </a:lvl1pPr>
+            <a:lvl2pPr marL="742950" indent="-285750">
+              <a:defRPr>
+                <a:solidFill>
+                  <a:schemeClr val="tx1"/>
+                </a:solidFill>
+                <a:latin typeface="Calibri" panose="020F0502020204030204" charset="0"/>
+                <a:ea typeface="宋体" panose="02010600030101010101" pitchFamily="2" charset="-122"/>
+              </a:defRPr>
+            </a:lvl2pPr>
+            <a:lvl3pPr marL="1143000" indent="-228600">
+              <a:defRPr>
+                <a:solidFill>
+                  <a:schemeClr val="tx1"/>
+                </a:solidFill>
+                <a:latin typeface="Calibri" panose="020F0502020204030204" charset="0"/>
+                <a:ea typeface="宋体" panose="02010600030101010101" pitchFamily="2" charset="-122"/>
+              </a:defRPr>
+            </a:lvl3pPr>
+            <a:lvl4pPr marL="1600200" indent="-228600">
+              <a:defRPr>
+                <a:solidFill>
+                  <a:schemeClr val="tx1"/>
+                </a:solidFill>
+                <a:latin typeface="Calibri" panose="020F0502020204030204" charset="0"/>
+                <a:ea typeface="宋体" panose="02010600030101010101" pitchFamily="2" charset="-122"/>
+              </a:defRPr>
+            </a:lvl4pPr>
+            <a:lvl5pPr marL="2057400" indent="-228600">
+              <a:defRPr>
+                <a:solidFill>
+                  <a:schemeClr val="tx1"/>
+                </a:solidFill>
+                <a:latin typeface="Calibri" panose="020F0502020204030204" charset="0"/>
+                <a:ea typeface="宋体" panose="02010600030101010101" pitchFamily="2" charset="-122"/>
+              </a:defRPr>
+            </a:lvl5pPr>
+            <a:lvl6pPr marL="2514600" indent="-228600" eaLnBrk="0" fontAlgn="base" hangingPunct="0">
+              <a:spcBef>
+                <a:spcPct val="0"/>
+              </a:spcBef>
+              <a:spcAft>
+                <a:spcPct val="0"/>
+              </a:spcAft>
+              <a:defRPr>
+                <a:solidFill>
+                  <a:schemeClr val="tx1"/>
+                </a:solidFill>
+                <a:latin typeface="Calibri" panose="020F0502020204030204" charset="0"/>
+                <a:ea typeface="宋体" panose="02010600030101010101" pitchFamily="2" charset="-122"/>
+              </a:defRPr>
+            </a:lvl6pPr>
+            <a:lvl7pPr marL="2971800" indent="-228600" eaLnBrk="0" fontAlgn="base" hangingPunct="0">
+              <a:spcBef>
+                <a:spcPct val="0"/>
+              </a:spcBef>
+              <a:spcAft>
+                <a:spcPct val="0"/>
+              </a:spcAft>
+              <a:defRPr>
+                <a:solidFill>
+                  <a:schemeClr val="tx1"/>
+                </a:solidFill>
+                <a:latin typeface="Calibri" panose="020F0502020204030204" charset="0"/>
+                <a:ea typeface="宋体" panose="02010600030101010101" pitchFamily="2" charset="-122"/>
+              </a:defRPr>
+            </a:lvl7pPr>
+            <a:lvl8pPr marL="3429000" indent="-228600" eaLnBrk="0" fontAlgn="base" hangingPunct="0">
+              <a:spcBef>
+                <a:spcPct val="0"/>
+              </a:spcBef>
+              <a:spcAft>
+                <a:spcPct val="0"/>
+              </a:spcAft>
+              <a:defRPr>
+                <a:solidFill>
+                  <a:schemeClr val="tx1"/>
+                </a:solidFill>
+                <a:latin typeface="Calibri" panose="020F0502020204030204" charset="0"/>
+                <a:ea typeface="宋体" panose="02010600030101010101" pitchFamily="2" charset="-122"/>
+              </a:defRPr>
+            </a:lvl8pPr>
+            <a:lvl9pPr marL="3886200" indent="-228600" eaLnBrk="0" fontAlgn="base" hangingPunct="0">
+              <a:spcBef>
+                <a:spcPct val="0"/>
+              </a:spcBef>
+              <a:spcAft>
+                <a:spcPct val="0"/>
+              </a:spcAft>
+              <a:defRPr>
+                <a:solidFill>
+                  <a:schemeClr val="tx1"/>
+                </a:solidFill>
+                <a:latin typeface="Calibri" panose="020F0502020204030204" charset="0"/>
+                <a:ea typeface="宋体" panose="02010600030101010101" pitchFamily="2" charset="-122"/>
+              </a:defRPr>
+            </a:lvl9pPr>
+          </a:lstStyle>
+          <a:p>
+            <a:pPr algn="ctr" eaLnBrk="1" hangingPunct="1"/>
+            <a:r>
+              <a:rPr lang="en-US" altLang="zh-CN">
+                <a:solidFill>
+                  <a:schemeClr val="bg1"/>
+                </a:solidFill>
+                <a:latin typeface="+mn-lt"/>
+                <a:ea typeface="+mn-ea"/>
+              </a:rPr>
+              <a:t>01</a:t>
+            </a:r>
+            <a:endParaRPr lang="zh-CN" altLang="en-US">
+              <a:solidFill>
+                <a:schemeClr val="bg1"/>
+              </a:solidFill>
+              <a:latin typeface="+mn-lt"/>
+              <a:ea typeface="+mn-ea"/>
+            </a:endParaRPr>
+          </a:p>
+        </p:txBody>
+      </p:sp>
+      <p:sp>
+        <p:nvSpPr>
+          <p:cNvPr id="118" name="矩形 117"/>
+          <p:cNvSpPr/>
+          <p:nvPr>
+            <p:custDataLst>
+              <p:tags r:id="rId4"/>
+            </p:custDataLst>
+          </p:nvPr>
+        </p:nvSpPr>
+        <p:spPr bwMode="auto">
+          <a:xfrm>
+            <a:off x="10091738" y="0"/>
+            <a:ext cx="576262" cy="769938"/>
+          </a:xfrm>
+          <a:prstGeom prst="rect">
+            <a:avLst/>
+          </a:prstGeom>
+          <a:solidFill>
+            <a:schemeClr val="accent2"/>
+          </a:solidFill>
+          <a:ln>
+            <a:noFill/>
+          </a:ln>
+        </p:spPr>
+        <p:style>
+          <a:lnRef idx="2">
+            <a:schemeClr val="accent1">
+              <a:shade val="50000"/>
+            </a:schemeClr>
+          </a:lnRef>
+          <a:fillRef idx="1">
+            <a:schemeClr val="accent1"/>
+          </a:fillRef>
+          <a:effectRef idx="0">
+            <a:schemeClr val="accent1"/>
+          </a:effectRef>
+          <a:fontRef idx="minor">
+            <a:schemeClr val="lt1"/>
+          </a:fontRef>
+        </p:style>
+        <p:txBody>
+          <a:bodyPr anchor="ctr"/>
+          <a:lstStyle/>
+          <a:p>
+            <a:pPr algn="ctr">
+              <a:defRPr/>
+            </a:pPr>
+            <a:endParaRPr lang="zh-CN" altLang="en-US">
+              <a:solidFill>
+                <a:prstClr val="white"/>
+              </a:solidFill>
+            </a:endParaRPr>
+          </a:p>
+        </p:txBody>
+      </p:sp>
+      <p:sp>
+        <p:nvSpPr>
+          <p:cNvPr id="2058" name="KSO_Shape"/>
+          <p:cNvSpPr/>
+          <p:nvPr>
+            <p:custDataLst>
+              <p:tags r:id="rId5"/>
+            </p:custDataLst>
+          </p:nvPr>
+        </p:nvSpPr>
+        <p:spPr bwMode="auto">
+          <a:xfrm>
+            <a:off x="4511675" y="3211514"/>
+            <a:ext cx="400050" cy="395287"/>
+          </a:xfrm>
+          <a:prstGeom prst="rect">
+            <a:avLst/>
+          </a:prstGeom>
+          <a:solidFill>
+            <a:srgbClr val="00B050"/>
+          </a:solidFill>
+          <a:ln>
+            <a:noFill/>
+          </a:ln>
+        </p:spPr>
+        <p:txBody>
+          <a:bodyPr lIns="0" tIns="0" rIns="0" bIns="0" anchor="ctr"/>
+          <a:lstStyle>
+            <a:lvl1pPr>
+              <a:defRPr>
+                <a:solidFill>
+                  <a:schemeClr val="tx1"/>
+                </a:solidFill>
+                <a:latin typeface="Calibri" panose="020F0502020204030204" charset="0"/>
+                <a:ea typeface="宋体" panose="02010600030101010101" pitchFamily="2" charset="-122"/>
+              </a:defRPr>
+            </a:lvl1pPr>
+            <a:lvl2pPr marL="742950" indent="-285750">
+              <a:defRPr>
+                <a:solidFill>
+                  <a:schemeClr val="tx1"/>
+                </a:solidFill>
+                <a:latin typeface="Calibri" panose="020F0502020204030204" charset="0"/>
+                <a:ea typeface="宋体" panose="02010600030101010101" pitchFamily="2" charset="-122"/>
+              </a:defRPr>
+            </a:lvl2pPr>
+            <a:lvl3pPr marL="1143000" indent="-228600">
+              <a:defRPr>
+                <a:solidFill>
+                  <a:schemeClr val="tx1"/>
+                </a:solidFill>
+                <a:latin typeface="Calibri" panose="020F0502020204030204" charset="0"/>
+                <a:ea typeface="宋体" panose="02010600030101010101" pitchFamily="2" charset="-122"/>
+              </a:defRPr>
+            </a:lvl3pPr>
+            <a:lvl4pPr marL="1600200" indent="-228600">
+              <a:defRPr>
+                <a:solidFill>
+                  <a:schemeClr val="tx1"/>
+                </a:solidFill>
+                <a:latin typeface="Calibri" panose="020F0502020204030204" charset="0"/>
+                <a:ea typeface="宋体" panose="02010600030101010101" pitchFamily="2" charset="-122"/>
+              </a:defRPr>
+            </a:lvl4pPr>
+            <a:lvl5pPr marL="2057400" indent="-228600">
+              <a:defRPr>
+                <a:solidFill>
+                  <a:schemeClr val="tx1"/>
+                </a:solidFill>
+                <a:latin typeface="Calibri" panose="020F0502020204030204" charset="0"/>
+                <a:ea typeface="宋体" panose="02010600030101010101" pitchFamily="2" charset="-122"/>
+              </a:defRPr>
+            </a:lvl5pPr>
+            <a:lvl6pPr marL="2514600" indent="-228600" eaLnBrk="0" fontAlgn="base" hangingPunct="0">
+              <a:spcBef>
+                <a:spcPct val="0"/>
+              </a:spcBef>
+              <a:spcAft>
+                <a:spcPct val="0"/>
+              </a:spcAft>
+              <a:defRPr>
+                <a:solidFill>
+                  <a:schemeClr val="tx1"/>
+                </a:solidFill>
+                <a:latin typeface="Calibri" panose="020F0502020204030204" charset="0"/>
+                <a:ea typeface="宋体" panose="02010600030101010101" pitchFamily="2" charset="-122"/>
+              </a:defRPr>
+            </a:lvl6pPr>
+            <a:lvl7pPr marL="2971800" indent="-228600" eaLnBrk="0" fontAlgn="base" hangingPunct="0">
+              <a:spcBef>
+                <a:spcPct val="0"/>
+              </a:spcBef>
+              <a:spcAft>
+                <a:spcPct val="0"/>
+              </a:spcAft>
+              <a:defRPr>
+                <a:solidFill>
+                  <a:schemeClr val="tx1"/>
+                </a:solidFill>
+                <a:latin typeface="Calibri" panose="020F0502020204030204" charset="0"/>
+                <a:ea typeface="宋体" panose="02010600030101010101" pitchFamily="2" charset="-122"/>
+              </a:defRPr>
+            </a:lvl7pPr>
+            <a:lvl8pPr marL="3429000" indent="-228600" eaLnBrk="0" fontAlgn="base" hangingPunct="0">
+              <a:spcBef>
+                <a:spcPct val="0"/>
+              </a:spcBef>
+              <a:spcAft>
+                <a:spcPct val="0"/>
+              </a:spcAft>
+              <a:defRPr>
+                <a:solidFill>
+                  <a:schemeClr val="tx1"/>
+                </a:solidFill>
+                <a:latin typeface="Calibri" panose="020F0502020204030204" charset="0"/>
+                <a:ea typeface="宋体" panose="02010600030101010101" pitchFamily="2" charset="-122"/>
+              </a:defRPr>
+            </a:lvl8pPr>
+            <a:lvl9pPr marL="3886200" indent="-228600" eaLnBrk="0" fontAlgn="base" hangingPunct="0">
+              <a:spcBef>
+                <a:spcPct val="0"/>
+              </a:spcBef>
+              <a:spcAft>
+                <a:spcPct val="0"/>
+              </a:spcAft>
+              <a:defRPr>
+                <a:solidFill>
+                  <a:schemeClr val="tx1"/>
+                </a:solidFill>
+                <a:latin typeface="Calibri" panose="020F0502020204030204" charset="0"/>
+                <a:ea typeface="宋体" panose="02010600030101010101" pitchFamily="2" charset="-122"/>
+              </a:defRPr>
+            </a:lvl9pPr>
+          </a:lstStyle>
+          <a:p>
+            <a:pPr algn="ctr" eaLnBrk="1" hangingPunct="1"/>
+            <a:r>
+              <a:rPr lang="en-US" altLang="zh-CN">
+                <a:solidFill>
+                  <a:schemeClr val="bg1"/>
+                </a:solidFill>
+                <a:latin typeface="+mn-lt"/>
+                <a:ea typeface="+mn-ea"/>
+              </a:rPr>
+              <a:t>02</a:t>
+            </a:r>
+            <a:endParaRPr lang="zh-CN" altLang="en-US">
+              <a:solidFill>
+                <a:schemeClr val="bg1"/>
+              </a:solidFill>
+              <a:latin typeface="+mn-lt"/>
+              <a:ea typeface="+mn-ea"/>
+            </a:endParaRPr>
+          </a:p>
+        </p:txBody>
+      </p:sp>
+      <p:sp>
+        <p:nvSpPr>
+          <p:cNvPr id="125" name="KSO_Shape"/>
+          <p:cNvSpPr/>
+          <p:nvPr>
+            <p:custDataLst>
+              <p:tags r:id="rId6"/>
+            </p:custDataLst>
+          </p:nvPr>
+        </p:nvSpPr>
+        <p:spPr bwMode="auto">
+          <a:xfrm>
+            <a:off x="4911725" y="2706688"/>
+            <a:ext cx="96838" cy="95250"/>
+          </a:xfrm>
+          <a:prstGeom prst="rect">
+            <a:avLst/>
+          </a:prstGeom>
+          <a:solidFill>
+            <a:schemeClr val="accent2">
+              <a:lumMod val="60000"/>
+              <a:lumOff val="40000"/>
+            </a:schemeClr>
+          </a:solidFill>
+        </p:spPr>
+        <p:txBody>
+          <a:bodyPr lIns="0" tIns="0" rIns="0" bIns="0" anchor="ctr">
+            <a:normAutofit fontScale="30000" lnSpcReduction="20000"/>
+          </a:bodyPr>
+          <a:lstStyle/>
+          <a:p>
+            <a:pPr algn="ctr">
+              <a:defRPr/>
+            </a:pPr>
+            <a:endParaRPr lang="zh-CN" altLang="en-US">
+              <a:solidFill>
+                <a:schemeClr val="bg1"/>
+              </a:solidFill>
+            </a:endParaRPr>
+          </a:p>
+        </p:txBody>
+      </p:sp>
+      <p:sp>
+        <p:nvSpPr>
+          <p:cNvPr id="126" name="KSO_Shape"/>
+          <p:cNvSpPr/>
+          <p:nvPr>
+            <p:custDataLst>
+              <p:tags r:id="rId7"/>
+            </p:custDataLst>
+          </p:nvPr>
+        </p:nvSpPr>
+        <p:spPr bwMode="auto">
+          <a:xfrm>
+            <a:off x="4911725" y="3603625"/>
+            <a:ext cx="96838" cy="95250"/>
+          </a:xfrm>
+          <a:prstGeom prst="rect">
+            <a:avLst/>
+          </a:prstGeom>
+          <a:solidFill>
+            <a:schemeClr val="accent2">
+              <a:lumMod val="60000"/>
+              <a:lumOff val="40000"/>
+            </a:schemeClr>
+          </a:solidFill>
+        </p:spPr>
+        <p:txBody>
+          <a:bodyPr lIns="0" tIns="0" rIns="0" bIns="0" anchor="ctr">
+            <a:normAutofit fontScale="30000" lnSpcReduction="20000"/>
+          </a:bodyPr>
+          <a:lstStyle/>
+          <a:p>
+            <a:pPr algn="ctr">
+              <a:defRPr/>
+            </a:pPr>
+            <a:endParaRPr lang="zh-CN" altLang="en-US">
+              <a:solidFill>
+                <a:schemeClr val="bg1"/>
+              </a:solidFill>
+            </a:endParaRPr>
+          </a:p>
+        </p:txBody>
+      </p:sp>
+      <p:sp>
+        <p:nvSpPr>
+          <p:cNvPr id="2067" name="文本框 129"/>
+          <p:cNvSpPr txBox="1">
+            <a:spLocks noChangeArrowheads="1"/>
+          </p:cNvSpPr>
+          <p:nvPr>
+            <p:custDataLst>
+              <p:tags r:id="rId8"/>
+            </p:custDataLst>
+          </p:nvPr>
+        </p:nvSpPr>
+        <p:spPr bwMode="auto">
+          <a:xfrm>
+            <a:off x="5065713" y="3181351"/>
+            <a:ext cx="4470400" cy="460375"/>
+          </a:xfrm>
+          <a:prstGeom prst="rect">
+            <a:avLst/>
+          </a:prstGeom>
+          <a:noFill/>
+          <a:ln>
+            <a:noFill/>
+          </a:ln>
+          <a:extLst>
+            <a:ext uri="{909E8E84-426E-40DD-AFC4-6F175D3DCCD1}">
+              <a14:hiddenFill xmlns:a14="http://schemas.microsoft.com/office/drawing/2010/main">
+                <a:solidFill>
+                  <a:srgbClr val="FFFFFF"/>
+                </a:solidFill>
+              </a14:hiddenFill>
+            </a:ext>
+            <a:ext uri="{91240B29-F687-4F45-9708-019B960494DF}">
+              <a14:hiddenLine xmlns:a14="http://schemas.microsoft.com/office/drawing/2010/main" w="9525">
+                <a:solidFill>
+                  <a:srgbClr val="000000"/>
+                </a:solidFill>
+                <a:miter lim="800000"/>
+                <a:headEnd/>
+                <a:tailEnd/>
+              </a14:hiddenLine>
+            </a:ext>
+          </a:extLst>
+        </p:spPr>
+        <p:txBody>
+          <a:bodyPr anchor="ctr">
+            <a:normAutofit/>
+          </a:bodyPr>
+          <a:lstStyle>
+            <a:lvl1pPr>
+              <a:defRPr>
+                <a:solidFill>
+                  <a:schemeClr val="tx1"/>
+                </a:solidFill>
+                <a:latin typeface="Calibri" panose="020F0502020204030204" charset="0"/>
+                <a:ea typeface="宋体" panose="02010600030101010101" pitchFamily="2" charset="-122"/>
+              </a:defRPr>
+            </a:lvl1pPr>
+            <a:lvl2pPr marL="742950" indent="-285750">
+              <a:defRPr>
+                <a:solidFill>
+                  <a:schemeClr val="tx1"/>
+                </a:solidFill>
+                <a:latin typeface="Calibri" panose="020F0502020204030204" charset="0"/>
+                <a:ea typeface="宋体" panose="02010600030101010101" pitchFamily="2" charset="-122"/>
+              </a:defRPr>
+            </a:lvl2pPr>
+            <a:lvl3pPr marL="1143000" indent="-228600">
+              <a:defRPr>
+                <a:solidFill>
+                  <a:schemeClr val="tx1"/>
+                </a:solidFill>
+                <a:latin typeface="Calibri" panose="020F0502020204030204" charset="0"/>
+                <a:ea typeface="宋体" panose="02010600030101010101" pitchFamily="2" charset="-122"/>
+              </a:defRPr>
+            </a:lvl3pPr>
+            <a:lvl4pPr marL="1600200" indent="-228600">
+              <a:defRPr>
+                <a:solidFill>
+                  <a:schemeClr val="tx1"/>
+                </a:solidFill>
+                <a:latin typeface="Calibri" panose="020F0502020204030204" charset="0"/>
+                <a:ea typeface="宋体" panose="02010600030101010101" pitchFamily="2" charset="-122"/>
+              </a:defRPr>
+            </a:lvl4pPr>
+            <a:lvl5pPr marL="2057400" indent="-228600">
+              <a:defRPr>
+                <a:solidFill>
+                  <a:schemeClr val="tx1"/>
+                </a:solidFill>
+                <a:latin typeface="Calibri" panose="020F0502020204030204" charset="0"/>
+                <a:ea typeface="宋体" panose="02010600030101010101" pitchFamily="2" charset="-122"/>
+              </a:defRPr>
+            </a:lvl5pPr>
+            <a:lvl6pPr marL="2514600" indent="-228600" eaLnBrk="0" fontAlgn="base" hangingPunct="0">
+              <a:spcBef>
+                <a:spcPct val="0"/>
+              </a:spcBef>
+              <a:spcAft>
+                <a:spcPct val="0"/>
+              </a:spcAft>
+              <a:defRPr>
+                <a:solidFill>
+                  <a:schemeClr val="tx1"/>
+                </a:solidFill>
+                <a:latin typeface="Calibri" panose="020F0502020204030204" charset="0"/>
+                <a:ea typeface="宋体" panose="02010600030101010101" pitchFamily="2" charset="-122"/>
+              </a:defRPr>
+            </a:lvl6pPr>
+            <a:lvl7pPr marL="2971800" indent="-228600" eaLnBrk="0" fontAlgn="base" hangingPunct="0">
+              <a:spcBef>
+                <a:spcPct val="0"/>
+              </a:spcBef>
+              <a:spcAft>
+                <a:spcPct val="0"/>
+              </a:spcAft>
+              <a:defRPr>
+                <a:solidFill>
+                  <a:schemeClr val="tx1"/>
+                </a:solidFill>
+                <a:latin typeface="Calibri" panose="020F0502020204030204" charset="0"/>
+                <a:ea typeface="宋体" panose="02010600030101010101" pitchFamily="2" charset="-122"/>
+              </a:defRPr>
+            </a:lvl7pPr>
+            <a:lvl8pPr marL="3429000" indent="-228600" eaLnBrk="0" fontAlgn="base" hangingPunct="0">
+              <a:spcBef>
+                <a:spcPct val="0"/>
+              </a:spcBef>
+              <a:spcAft>
+                <a:spcPct val="0"/>
+              </a:spcAft>
+              <a:defRPr>
+                <a:solidFill>
+                  <a:schemeClr val="tx1"/>
+                </a:solidFill>
+                <a:latin typeface="Calibri" panose="020F0502020204030204" charset="0"/>
+                <a:ea typeface="宋体" panose="02010600030101010101" pitchFamily="2" charset="-122"/>
+              </a:defRPr>
+            </a:lvl8pPr>
+            <a:lvl9pPr marL="3886200" indent="-228600" eaLnBrk="0" fontAlgn="base" hangingPunct="0">
+              <a:spcBef>
+                <a:spcPct val="0"/>
+              </a:spcBef>
+              <a:spcAft>
+                <a:spcPct val="0"/>
+              </a:spcAft>
+              <a:defRPr>
+                <a:solidFill>
+                  <a:schemeClr val="tx1"/>
+                </a:solidFill>
+                <a:latin typeface="Calibri" panose="020F0502020204030204" charset="0"/>
+                <a:ea typeface="宋体" panose="02010600030101010101" pitchFamily="2" charset="-122"/>
+              </a:defRPr>
+            </a:lvl9pPr>
+          </a:lstStyle>
+          <a:p>
+            <a:r>
+              <a:rPr lang="en-US" altLang="zh-CN" sz="2400" dirty="0">
+                <a:latin typeface="+mn-lt"/>
+                <a:ea typeface="+mn-ea"/>
+              </a:rPr>
+              <a:t>Spring xml </a:t>
+            </a:r>
+            <a:r>
+              <a:rPr lang="zh-CN" altLang="en-US" sz="2400" dirty="0">
+                <a:latin typeface="+mn-lt"/>
+                <a:ea typeface="+mn-ea"/>
+              </a:rPr>
+              <a:t>各节点介绍</a:t>
+            </a:r>
+            <a:endParaRPr lang="zh-CN" altLang="en-US" sz="2400" dirty="0">
+              <a:latin typeface="+mn-lt"/>
+              <a:ea typeface="+mn-ea"/>
+            </a:endParaRPr>
+          </a:p>
+        </p:txBody>
+      </p:sp>
+      <p:sp>
+        <p:nvSpPr>
+          <p:cNvPr id="14" name="文本框 13"/>
+          <p:cNvSpPr txBox="1"/>
+          <p:nvPr>
+            <p:custDataLst>
+              <p:tags r:id="rId9"/>
+            </p:custDataLst>
+          </p:nvPr>
+        </p:nvSpPr>
+        <p:spPr>
+          <a:xfrm>
+            <a:off x="1524000" y="769939"/>
+            <a:ext cx="2794000" cy="1450975"/>
+          </a:xfrm>
+          <a:prstGeom prst="rect">
+            <a:avLst/>
+          </a:prstGeom>
+          <a:solidFill>
+            <a:schemeClr val="accent1"/>
+          </a:solidFill>
+          <a:ln>
+            <a:noFill/>
+          </a:ln>
+        </p:spPr>
+        <p:style>
+          <a:lnRef idx="2">
+            <a:schemeClr val="accent1">
+              <a:shade val="50000"/>
+            </a:schemeClr>
+          </a:lnRef>
+          <a:fillRef idx="1">
+            <a:schemeClr val="accent1"/>
+          </a:fillRef>
+          <a:effectRef idx="0">
+            <a:schemeClr val="accent1"/>
+          </a:effectRef>
+          <a:fontRef idx="minor">
+            <a:schemeClr val="lt1"/>
+          </a:fontRef>
+        </p:style>
+        <p:txBody>
+          <a:bodyPr anchor="ctr">
+            <a:normAutofit/>
+          </a:bodyPr>
+          <a:lstStyle>
+            <a:defPPr>
+              <a:defRPr lang="zh-CN"/>
+            </a:defPPr>
+            <a:lvl1pPr algn="ctr">
+              <a:defRPr sz="2800">
+                <a:solidFill>
+                  <a:prstClr val="white"/>
+                </a:solidFill>
+              </a:defRPr>
+            </a:lvl1pPr>
+            <a:lvl2pPr>
+              <a:defRPr>
+                <a:solidFill>
+                  <a:schemeClr val="lt1"/>
+                </a:solidFill>
+              </a:defRPr>
+            </a:lvl2pPr>
+            <a:lvl3pPr>
+              <a:defRPr>
+                <a:solidFill>
+                  <a:schemeClr val="lt1"/>
+                </a:solidFill>
+              </a:defRPr>
+            </a:lvl3pPr>
+            <a:lvl4pPr>
+              <a:defRPr>
+                <a:solidFill>
+                  <a:schemeClr val="lt1"/>
+                </a:solidFill>
+              </a:defRPr>
+            </a:lvl4pPr>
+            <a:lvl5pPr>
+              <a:defRPr>
+                <a:solidFill>
+                  <a:schemeClr val="lt1"/>
+                </a:solidFill>
+              </a:defRPr>
+            </a:lvl5pPr>
+            <a:lvl6pPr>
+              <a:defRPr>
+                <a:solidFill>
+                  <a:schemeClr val="lt1"/>
+                </a:solidFill>
+              </a:defRPr>
+            </a:lvl6pPr>
+            <a:lvl7pPr>
+              <a:defRPr>
+                <a:solidFill>
+                  <a:schemeClr val="lt1"/>
+                </a:solidFill>
+              </a:defRPr>
+            </a:lvl7pPr>
+            <a:lvl8pPr>
+              <a:defRPr>
+                <a:solidFill>
+                  <a:schemeClr val="lt1"/>
+                </a:solidFill>
+              </a:defRPr>
+            </a:lvl8pPr>
+            <a:lvl9pPr>
+              <a:defRPr>
+                <a:solidFill>
+                  <a:schemeClr val="lt1"/>
+                </a:solidFill>
+              </a:defRPr>
+            </a:lvl9pPr>
+          </a:lstStyle>
+          <a:p>
+            <a:r>
+              <a:rPr lang="zh-CN" altLang="en-US" smtClean="0">
+                <a:solidFill>
+                  <a:schemeClr val="bg1"/>
+                </a:solidFill>
+                <a:latin typeface="+mj-lt"/>
+                <a:ea typeface="+mj-ea"/>
+                <a:cs typeface="+mj-cs"/>
+              </a:rPr>
+              <a:t>主要内容</a:t>
+            </a:r>
+            <a:endParaRPr lang="zh-CN" altLang="en-US" smtClean="0">
+              <a:solidFill>
+                <a:schemeClr val="bg1"/>
+              </a:solidFill>
+              <a:latin typeface="+mj-lt"/>
+              <a:ea typeface="+mj-ea"/>
+              <a:cs typeface="+mj-cs"/>
+            </a:endParaRPr>
           </a:p>
         </p:txBody>
       </p:sp>
     </p:spTree>
     <p:custDataLst>
-      <p:tags r:id="rId2"/>
+      <p:tags r:id="rId10"/>
     </p:custDataLst>
   </p:cSld>
   <p:clrMapOvr>
@@ -10130,6 +11576,428 @@
       </p:par>
     </p:tnLst>
   </p:timing>
+</p:sld>
+</file>
+
+<file path=ppt/slides/slide9.xml><?xml version="1.0" encoding="utf-8"?>
+<p:sld xmlns:a="http://schemas.openxmlformats.org/drawingml/2006/main" xmlns:r="http://schemas.openxmlformats.org/officeDocument/2006/relationships" xmlns:p="http://schemas.openxmlformats.org/presentationml/2006/main">
+  <p:cSld>
+    <p:spTree>
+      <p:nvGrpSpPr>
+        <p:cNvPr id="1" name=""/>
+        <p:cNvGrpSpPr/>
+        <p:nvPr/>
+      </p:nvGrpSpPr>
+      <p:grpSpPr/>
+      <p:sp>
+        <p:nvSpPr>
+          <p:cNvPr id="2" name="标题 1"/>
+          <p:cNvSpPr>
+            <a:spLocks noGrp="1"/>
+          </p:cNvSpPr>
+          <p:nvPr>
+            <p:ph type="title"/>
+          </p:nvPr>
+        </p:nvSpPr>
+        <p:spPr/>
+        <p:txBody>
+          <a:bodyPr/>
+          <a:p>
+            <a:r>
+              <a:rPr lang="en-US" altLang="zh-CN"/>
+              <a:t>xml</a:t>
+            </a:r>
+            <a:r>
+              <a:rPr lang="zh-CN" altLang="en-US"/>
+              <a:t>头信息</a:t>
+            </a:r>
+            <a:r>
+              <a:rPr lang="en-US" altLang="zh-CN"/>
+              <a:t> </a:t>
+            </a:r>
+            <a:r>
+              <a:rPr lang="zh-CN" altLang="en-US"/>
+              <a:t>节点分析</a:t>
+            </a:r>
+            <a:endParaRPr lang="zh-CN" altLang="en-US"/>
+          </a:p>
+        </p:txBody>
+      </p:sp>
+      <p:sp>
+        <p:nvSpPr>
+          <p:cNvPr id="3" name="内容占位符 2"/>
+          <p:cNvSpPr>
+            <a:spLocks noGrp="1"/>
+          </p:cNvSpPr>
+          <p:nvPr>
+            <p:ph idx="1"/>
+          </p:nvPr>
+        </p:nvSpPr>
+        <p:spPr>
+          <a:xfrm>
+            <a:off x="983615" y="1313815"/>
+            <a:ext cx="10224770" cy="848360"/>
+          </a:xfrm>
+        </p:spPr>
+        <p:txBody>
+          <a:bodyPr/>
+          <a:p>
+            <a:r>
+              <a:rPr lang="zh-CN" altLang="en-US">
+                <a:ln/>
+                <a:solidFill>
+                  <a:schemeClr val="tx1"/>
+                </a:solidFill>
+                <a:effectLst>
+                  <a:outerShdw blurRad="38100" dist="19050" dir="2700000" algn="tl" rotWithShape="0">
+                    <a:schemeClr val="dk1">
+                      <a:alpha val="40000"/>
+                    </a:schemeClr>
+                  </a:outerShdw>
+                </a:effectLst>
+              </a:rPr>
+              <a:t>&lt;?xml version="1.0" encoding="UTF-8"?&gt;</a:t>
+            </a:r>
+            <a:endParaRPr lang="zh-CN" altLang="en-US">
+              <a:ln/>
+              <a:solidFill>
+                <a:schemeClr val="tx1"/>
+              </a:solidFill>
+              <a:effectLst>
+                <a:outerShdw blurRad="38100" dist="19050" dir="2700000" algn="tl" rotWithShape="0">
+                  <a:schemeClr val="dk1">
+                    <a:alpha val="40000"/>
+                  </a:schemeClr>
+                </a:outerShdw>
+              </a:effectLst>
+            </a:endParaRPr>
+          </a:p>
+        </p:txBody>
+      </p:sp>
+      <p:sp>
+        <p:nvSpPr>
+          <p:cNvPr id="4" name="文本框 3"/>
+          <p:cNvSpPr txBox="1"/>
+          <p:nvPr/>
+        </p:nvSpPr>
+        <p:spPr>
+          <a:xfrm>
+            <a:off x="983615" y="2376805"/>
+            <a:ext cx="4838065" cy="1753235"/>
+          </a:xfrm>
+          <a:prstGeom prst="rect">
+            <a:avLst/>
+          </a:prstGeom>
+          <a:noFill/>
+        </p:spPr>
+        <p:txBody>
+          <a:bodyPr wrap="square" rtlCol="0" anchor="t">
+            <a:spAutoFit/>
+          </a:bodyPr>
+          <a:p>
+            <a:r>
+              <a:rPr lang="zh-CN" altLang="en-US"/>
+              <a:t>&lt;?xml version="1.0" encoding="utf-8"?&gt;</a:t>
+            </a:r>
+            <a:endParaRPr lang="zh-CN" altLang="en-US"/>
+          </a:p>
+          <a:p>
+            <a:r>
+              <a:rPr lang="zh-CN" altLang="en-US"/>
+              <a:t>&lt;note&gt;</a:t>
+            </a:r>
+            <a:endParaRPr lang="zh-CN" altLang="en-US"/>
+          </a:p>
+          <a:p>
+            <a:r>
+              <a:rPr lang="zh-CN" altLang="en-US"/>
+              <a:t>  &lt;from&gt;John&lt;/from&gt;</a:t>
+            </a:r>
+            <a:endParaRPr lang="zh-CN" altLang="en-US"/>
+          </a:p>
+          <a:p>
+            <a:r>
+              <a:rPr lang="zh-CN" altLang="en-US"/>
+              <a:t>  &lt;to&gt;George&lt;/to&gt;</a:t>
+            </a:r>
+            <a:endParaRPr lang="zh-CN" altLang="en-US"/>
+          </a:p>
+          <a:p>
+            <a:r>
+              <a:rPr lang="zh-CN" altLang="en-US"/>
+              <a:t>  &lt;message&gt;French: êèé&lt;/message&gt;</a:t>
+            </a:r>
+            <a:endParaRPr lang="zh-CN" altLang="en-US"/>
+          </a:p>
+          <a:p>
+            <a:r>
+              <a:rPr lang="zh-CN" altLang="en-US"/>
+              <a:t>&lt;/note&gt;</a:t>
+            </a:r>
+            <a:endParaRPr lang="zh-CN" altLang="en-US"/>
+          </a:p>
+        </p:txBody>
+      </p:sp>
+      <p:sp>
+        <p:nvSpPr>
+          <p:cNvPr id="5" name="文本框 4"/>
+          <p:cNvSpPr txBox="1"/>
+          <p:nvPr/>
+        </p:nvSpPr>
+        <p:spPr>
+          <a:xfrm>
+            <a:off x="1339850" y="4349750"/>
+            <a:ext cx="1968500" cy="368300"/>
+          </a:xfrm>
+          <a:prstGeom prst="rect">
+            <a:avLst/>
+          </a:prstGeom>
+          <a:noFill/>
+        </p:spPr>
+        <p:txBody>
+          <a:bodyPr wrap="square" rtlCol="0">
+            <a:spAutoFit/>
+          </a:bodyPr>
+          <a:p>
+            <a:r>
+              <a:rPr lang="zh-CN" altLang="en-US"/>
+              <a:t>单字节encoding</a:t>
+            </a:r>
+            <a:endParaRPr lang="zh-CN" altLang="en-US"/>
+          </a:p>
+        </p:txBody>
+      </p:sp>
+      <p:sp>
+        <p:nvSpPr>
+          <p:cNvPr id="6" name="文本框 5"/>
+          <p:cNvSpPr txBox="1"/>
+          <p:nvPr/>
+        </p:nvSpPr>
+        <p:spPr>
+          <a:xfrm>
+            <a:off x="6000115" y="2376805"/>
+            <a:ext cx="4838065" cy="1753235"/>
+          </a:xfrm>
+          <a:prstGeom prst="rect">
+            <a:avLst/>
+          </a:prstGeom>
+          <a:noFill/>
+        </p:spPr>
+        <p:txBody>
+          <a:bodyPr wrap="square" rtlCol="0" anchor="t">
+            <a:spAutoFit/>
+          </a:bodyPr>
+          <a:p>
+            <a:r>
+              <a:rPr lang="zh-CN" altLang="en-US"/>
+              <a:t>&lt;?xml version="1.0" encoding="utf-</a:t>
+            </a:r>
+            <a:r>
+              <a:rPr lang="en-US" altLang="zh-CN"/>
+              <a:t>16</a:t>
+            </a:r>
+            <a:r>
+              <a:rPr lang="zh-CN" altLang="en-US"/>
+              <a:t>"?&gt;</a:t>
+            </a:r>
+            <a:endParaRPr lang="zh-CN" altLang="en-US"/>
+          </a:p>
+          <a:p>
+            <a:r>
+              <a:rPr lang="zh-CN" altLang="en-US"/>
+              <a:t>&lt;note&gt;</a:t>
+            </a:r>
+            <a:endParaRPr lang="zh-CN" altLang="en-US"/>
+          </a:p>
+          <a:p>
+            <a:r>
+              <a:rPr lang="zh-CN" altLang="en-US"/>
+              <a:t>  &lt;from&gt;John&lt;/from&gt;</a:t>
+            </a:r>
+            <a:endParaRPr lang="zh-CN" altLang="en-US"/>
+          </a:p>
+          <a:p>
+            <a:r>
+              <a:rPr lang="zh-CN" altLang="en-US"/>
+              <a:t>  &lt;to&gt;George&lt;/to&gt;</a:t>
+            </a:r>
+            <a:endParaRPr lang="zh-CN" altLang="en-US"/>
+          </a:p>
+          <a:p>
+            <a:r>
+              <a:rPr lang="zh-CN" altLang="en-US"/>
+              <a:t>  &lt;message&gt;French: êèé&lt;/message&gt;</a:t>
+            </a:r>
+            <a:endParaRPr lang="zh-CN" altLang="en-US"/>
+          </a:p>
+          <a:p>
+            <a:r>
+              <a:rPr lang="zh-CN" altLang="en-US"/>
+              <a:t>&lt;/note&gt;</a:t>
+            </a:r>
+            <a:endParaRPr lang="zh-CN" altLang="en-US"/>
+          </a:p>
+        </p:txBody>
+      </p:sp>
+      <p:sp>
+        <p:nvSpPr>
+          <p:cNvPr id="7" name="文本框 6"/>
+          <p:cNvSpPr txBox="1"/>
+          <p:nvPr/>
+        </p:nvSpPr>
+        <p:spPr>
+          <a:xfrm>
+            <a:off x="1352550" y="4718050"/>
+            <a:ext cx="4114800" cy="368300"/>
+          </a:xfrm>
+          <a:prstGeom prst="rect">
+            <a:avLst/>
+          </a:prstGeom>
+          <a:noFill/>
+        </p:spPr>
+        <p:txBody>
+          <a:bodyPr wrap="square" rtlCol="0">
+            <a:spAutoFit/>
+          </a:bodyPr>
+          <a:p>
+            <a:r>
+              <a:rPr lang="zh-CN" altLang="en-US"/>
+              <a:t>双字节</a:t>
+            </a:r>
+            <a:r>
+              <a:rPr lang="en-US" altLang="zh-CN"/>
+              <a:t>save - Unicode</a:t>
+            </a:r>
+            <a:endParaRPr lang="en-US" altLang="zh-CN"/>
+          </a:p>
+        </p:txBody>
+      </p:sp>
+      <p:graphicFrame>
+        <p:nvGraphicFramePr>
+          <p:cNvPr id="8" name="对象 7"/>
+          <p:cNvGraphicFramePr/>
+          <p:nvPr/>
+        </p:nvGraphicFramePr>
+        <p:xfrm>
+          <a:off x="3834765" y="5543550"/>
+          <a:ext cx="2887345" cy="710565"/>
+        </p:xfrm>
+        <a:graphic>
+          <a:graphicData uri="http://schemas.openxmlformats.org/presentationml/2006/ole">
+            <mc:AlternateContent xmlns:mc="http://schemas.openxmlformats.org/markup-compatibility/2006">
+              <mc:Choice xmlns:v="urn:schemas-microsoft-com:vml" Requires="v">
+                <p:oleObj spid="_x0000_s9" name="" r:id="rId1" imgW="1701800" imgH="419100" progId="Paint.Picture">
+                  <p:embed/>
+                </p:oleObj>
+              </mc:Choice>
+              <mc:Fallback>
+                <p:oleObj name="" r:id="rId1" imgW="1701800" imgH="419100" progId="Paint.Picture">
+                  <p:embed/>
+                  <p:pic>
+                    <p:nvPicPr>
+                      <p:cNvPr id="0" name="图片 8"/>
+                      <p:cNvPicPr/>
+                      <p:nvPr/>
+                    </p:nvPicPr>
+                    <p:blipFill>
+                      <a:blip r:embed="rId2"/>
+                      <a:stretch>
+                        <a:fillRect/>
+                      </a:stretch>
+                    </p:blipFill>
+                    <p:spPr>
+                      <a:xfrm>
+                        <a:off x="3834765" y="5543550"/>
+                        <a:ext cx="2887345" cy="710565"/>
+                      </a:xfrm>
+                      <a:prstGeom prst="rect">
+                        <a:avLst/>
+                      </a:prstGeom>
+                    </p:spPr>
+                  </p:pic>
+                </p:oleObj>
+              </mc:Fallback>
+            </mc:AlternateContent>
+          </a:graphicData>
+        </a:graphic>
+      </p:graphicFrame>
+      <p:sp>
+        <p:nvSpPr>
+          <p:cNvPr id="10" name="文本框 9"/>
+          <p:cNvSpPr txBox="1"/>
+          <p:nvPr/>
+        </p:nvSpPr>
+        <p:spPr>
+          <a:xfrm>
+            <a:off x="5987415" y="4311650"/>
+            <a:ext cx="1968500" cy="368300"/>
+          </a:xfrm>
+          <a:prstGeom prst="rect">
+            <a:avLst/>
+          </a:prstGeom>
+          <a:noFill/>
+        </p:spPr>
+        <p:txBody>
+          <a:bodyPr wrap="square" rtlCol="0">
+            <a:spAutoFit/>
+          </a:bodyPr>
+          <a:p>
+            <a:r>
+              <a:rPr lang="zh-CN" altLang="en-US"/>
+              <a:t>双字节encoding</a:t>
+            </a:r>
+            <a:endParaRPr lang="zh-CN" altLang="en-US"/>
+          </a:p>
+        </p:txBody>
+      </p:sp>
+      <p:sp>
+        <p:nvSpPr>
+          <p:cNvPr id="11" name="文本框 10"/>
+          <p:cNvSpPr txBox="1"/>
+          <p:nvPr/>
+        </p:nvSpPr>
+        <p:spPr>
+          <a:xfrm>
+            <a:off x="6000115" y="4679950"/>
+            <a:ext cx="6108065" cy="645160"/>
+          </a:xfrm>
+          <a:prstGeom prst="rect">
+            <a:avLst/>
+          </a:prstGeom>
+          <a:noFill/>
+        </p:spPr>
+        <p:txBody>
+          <a:bodyPr wrap="square" rtlCol="0">
+            <a:spAutoFit/>
+          </a:bodyPr>
+          <a:p>
+            <a:r>
+              <a:rPr lang="zh-CN" altLang="en-US"/>
+              <a:t>单字节</a:t>
+            </a:r>
+            <a:r>
+              <a:rPr lang="en-US" altLang="zh-CN"/>
+              <a:t>save - ASCII、Windows-1252、</a:t>
+            </a:r>
+            <a:endParaRPr lang="en-US" altLang="zh-CN"/>
+          </a:p>
+          <a:p>
+            <a:r>
+              <a:rPr lang="en-US" altLang="zh-CN"/>
+              <a:t>	ISO-8859-1 或者 UTF-8</a:t>
+            </a:r>
+            <a:endParaRPr lang="en-US" altLang="zh-CN"/>
+          </a:p>
+        </p:txBody>
+      </p:sp>
+    </p:spTree>
+    <p:custDataLst>
+      <p:tags r:id="rId3"/>
+    </p:custDataLst>
+  </p:cSld>
+  <p:clrMapOvr>
+    <a:masterClrMapping/>
+  </p:clrMapOvr>
 </p:sld>
 </file>
 
@@ -10630,6 +12498,254 @@
 
 <file path=ppt/tags/tag36.xml><?xml version="1.0" encoding="utf-8"?>
 <p:tagLst xmlns:p="http://schemas.openxmlformats.org/presentationml/2006/main">
+  <p:tag name="KSO_WM_BEAUTIFY_FLAG" val="#wm#"/>
+  <p:tag name="KSO_WM_TEMPLATE_CATEGORY" val="custom"/>
+  <p:tag name="KSO_WM_TEMPLATE_INDEX" val="160501"/>
+</p:tagLst>
+</file>
+
+<file path=ppt/tags/tag37.xml><?xml version="1.0" encoding="utf-8"?>
+<p:tagLst xmlns:p="http://schemas.openxmlformats.org/presentationml/2006/main">
+  <p:tag name="MH" val="20151210175510"/>
+  <p:tag name="MH_LIBRARY" val="GRAPHIC"/>
+  <p:tag name="MH_ORDER" val="Rectangle 28"/>
+  <p:tag name="KSO_WM_TAG_VERSION" val="1.0"/>
+  <p:tag name="KSO_WM_BEAUTIFY_FLAG" val="#wm#"/>
+  <p:tag name="KSO_WM_UNIT_TYPE" val="i"/>
+  <p:tag name="KSO_WM_UNIT_ID" val="custom160501_8*i*0"/>
+  <p:tag name="KSO_WM_TEMPLATE_CATEGORY" val="custom"/>
+  <p:tag name="KSO_WM_TEMPLATE_INDEX" val="160501"/>
+  <p:tag name="KSO_WM_UNIT_INDEX" val="0"/>
+</p:tagLst>
+</file>
+
+<file path=ppt/tags/tag38.xml><?xml version="1.0" encoding="utf-8"?>
+<p:tagLst xmlns:p="http://schemas.openxmlformats.org/presentationml/2006/main">
+  <p:tag name="KSO_WM_TAG_VERSION" val="1.0"/>
+  <p:tag name="KSO_WM_BEAUTIFY_FLAG" val="#wm#"/>
+  <p:tag name="KSO_WM_TEMPLATE_CATEGORY" val="custom"/>
+  <p:tag name="KSO_WM_TEMPLATE_INDEX" val="160501"/>
+  <p:tag name="MH" val="20151210175510"/>
+  <p:tag name="MH_LIBRARY" val="GRAPHIC"/>
+  <p:tag name="MH_ORDER" val="文本框 99"/>
+  <p:tag name="KSO_WM_UNIT_TYPE" val="l_h_f"/>
+  <p:tag name="KSO_WM_UNIT_INDEX" val="1_1_1"/>
+  <p:tag name="KSO_WM_UNIT_ID" val="custom160501_8*l_h_f*1_1_1"/>
+  <p:tag name="KSO_WM_UNIT_CLEAR" val="1"/>
+  <p:tag name="KSO_WM_UNIT_LAYERLEVEL" val="1_1_1"/>
+  <p:tag name="KSO_WM_UNIT_VALUE" val="14"/>
+  <p:tag name="KSO_WM_UNIT_HIGHLIGHT" val="0"/>
+  <p:tag name="KSO_WM_UNIT_COMPATIBLE" val="0"/>
+  <p:tag name="KSO_WM_UNIT_PRESET_TEXT_INDEX" val="3"/>
+  <p:tag name="KSO_WM_UNIT_PRESET_TEXT_LEN" val="17"/>
+  <p:tag name="KSO_WM_DIAGRAM_GROUP_CODE" val="l1-1"/>
+  <p:tag name="KSO_WM_UNIT_TEXT_FILL_FORE_SCHEMECOLOR_INDEX" val="13"/>
+  <p:tag name="KSO_WM_UNIT_TEXT_FILL_TYPE" val="1"/>
+  <p:tag name="KSO_WM_UNIT_USESOURCEFORMAT_APPLY" val="1"/>
+</p:tagLst>
+</file>
+
+<file path=ppt/tags/tag39.xml><?xml version="1.0" encoding="utf-8"?>
+<p:tagLst xmlns:p="http://schemas.openxmlformats.org/presentationml/2006/main">
+  <p:tag name="KSO_WM_TAG_VERSION" val="1.0"/>
+  <p:tag name="KSO_WM_BEAUTIFY_FLAG" val="#wm#"/>
+  <p:tag name="KSO_WM_TEMPLATE_CATEGORY" val="custom"/>
+  <p:tag name="KSO_WM_TEMPLATE_INDEX" val="160501"/>
+  <p:tag name="MH" val="20151210175510"/>
+  <p:tag name="MH_LIBRARY" val="GRAPHIC"/>
+  <p:tag name="MH_ORDER" val="Shape"/>
+  <p:tag name="KSO_WM_UNIT_TYPE" val="l_i"/>
+  <p:tag name="KSO_WM_UNIT_INDEX" val="1_1"/>
+  <p:tag name="KSO_WM_UNIT_ID" val="custom160501_8*l_i*1_1"/>
+  <p:tag name="KSO_WM_UNIT_CLEAR" val="1"/>
+  <p:tag name="KSO_WM_UNIT_LAYERLEVEL" val="1_1"/>
+  <p:tag name="KSO_WM_DIAGRAM_GROUP_CODE" val="l1-1"/>
+  <p:tag name="KSO_WM_UNIT_FILL_FORE_SCHEMECOLOR_INDEX" val="6"/>
+  <p:tag name="KSO_WM_UNIT_FILL_TYPE" val="1"/>
+  <p:tag name="KSO_WM_UNIT_TEXT_FILL_FORE_SCHEMECOLOR_INDEX" val="14"/>
+  <p:tag name="KSO_WM_UNIT_TEXT_FILL_TYPE" val="1"/>
+  <p:tag name="KSO_WM_UNIT_USESOURCEFORMAT_APPLY" val="1"/>
+</p:tagLst>
+</file>
+
+<file path=ppt/tags/tag4.xml><?xml version="1.0" encoding="utf-8"?>
+<p:tagLst xmlns:p="http://schemas.openxmlformats.org/presentationml/2006/main">
+  <p:tag name="KSO_WM_TAG_VERSION" val="1.0"/>
+  <p:tag name="KSO_WM_TEMPLATE_CATEGORY" val="custom"/>
+  <p:tag name="KSO_WM_TEMPLATE_INDEX" val="160501"/>
+</p:tagLst>
+</file>
+
+<file path=ppt/tags/tag40.xml><?xml version="1.0" encoding="utf-8"?>
+<p:tagLst xmlns:p="http://schemas.openxmlformats.org/presentationml/2006/main">
+  <p:tag name="MH" val="20151210175510"/>
+  <p:tag name="MH_LIBRARY" val="GRAPHIC"/>
+  <p:tag name="MH_ORDER" val="Rectangle 117"/>
+  <p:tag name="KSO_WM_TAG_VERSION" val="1.0"/>
+  <p:tag name="KSO_WM_BEAUTIFY_FLAG" val="#wm#"/>
+  <p:tag name="KSO_WM_UNIT_TYPE" val="i"/>
+  <p:tag name="KSO_WM_UNIT_ID" val="custom160501_8*i*4"/>
+  <p:tag name="KSO_WM_TEMPLATE_CATEGORY" val="custom"/>
+  <p:tag name="KSO_WM_TEMPLATE_INDEX" val="160501"/>
+  <p:tag name="KSO_WM_UNIT_INDEX" val="4"/>
+</p:tagLst>
+</file>
+
+<file path=ppt/tags/tag41.xml><?xml version="1.0" encoding="utf-8"?>
+<p:tagLst xmlns:p="http://schemas.openxmlformats.org/presentationml/2006/main">
+  <p:tag name="KSO_WM_TAG_VERSION" val="1.0"/>
+  <p:tag name="KSO_WM_BEAUTIFY_FLAG" val="#wm#"/>
+  <p:tag name="KSO_WM_TEMPLATE_CATEGORY" val="custom"/>
+  <p:tag name="KSO_WM_TEMPLATE_INDEX" val="160501"/>
+  <p:tag name="MH" val="20151210175510"/>
+  <p:tag name="MH_LIBRARY" val="GRAPHIC"/>
+  <p:tag name="MH_ORDER" val="Shape"/>
+  <p:tag name="KSO_WM_UNIT_TYPE" val="l_i"/>
+  <p:tag name="KSO_WM_UNIT_INDEX" val="1_2"/>
+  <p:tag name="KSO_WM_UNIT_ID" val="custom160501_8*l_i*1_2"/>
+  <p:tag name="KSO_WM_UNIT_CLEAR" val="1"/>
+  <p:tag name="KSO_WM_UNIT_LAYERLEVEL" val="1_1"/>
+  <p:tag name="KSO_WM_DIAGRAM_GROUP_CODE" val="l1-1"/>
+  <p:tag name="KSO_WM_UNIT_FILL_FORE_SCHEMECOLOR_INDEX" val="6"/>
+  <p:tag name="KSO_WM_UNIT_FILL_TYPE" val="1"/>
+  <p:tag name="KSO_WM_UNIT_TEXT_FILL_FORE_SCHEMECOLOR_INDEX" val="14"/>
+  <p:tag name="KSO_WM_UNIT_TEXT_FILL_TYPE" val="1"/>
+  <p:tag name="KSO_WM_UNIT_USESOURCEFORMAT_APPLY" val="1"/>
+</p:tagLst>
+</file>
+
+<file path=ppt/tags/tag42.xml><?xml version="1.0" encoding="utf-8"?>
+<p:tagLst xmlns:p="http://schemas.openxmlformats.org/presentationml/2006/main">
+  <p:tag name="KSO_WM_TAG_VERSION" val="1.0"/>
+  <p:tag name="KSO_WM_BEAUTIFY_FLAG" val="#wm#"/>
+  <p:tag name="KSO_WM_TEMPLATE_CATEGORY" val="custom"/>
+  <p:tag name="KSO_WM_TEMPLATE_INDEX" val="160501"/>
+  <p:tag name="MH" val="20151210175510"/>
+  <p:tag name="MH_LIBRARY" val="GRAPHIC"/>
+  <p:tag name="MH_ORDER" val="Shape"/>
+  <p:tag name="KSO_WM_UNIT_TYPE" val="l_i"/>
+  <p:tag name="KSO_WM_UNIT_INDEX" val="1_4"/>
+  <p:tag name="KSO_WM_UNIT_ID" val="custom160501_8*l_i*1_4"/>
+  <p:tag name="KSO_WM_UNIT_CLEAR" val="1"/>
+  <p:tag name="KSO_WM_UNIT_LAYERLEVEL" val="1_1"/>
+  <p:tag name="KSO_WM_DIAGRAM_GROUP_CODE" val="l1-1"/>
+  <p:tag name="KSO_WM_UNIT_FILL_FORE_SCHEMECOLOR_INDEX" val="6"/>
+  <p:tag name="KSO_WM_UNIT_FILL_TYPE" val="1"/>
+  <p:tag name="KSO_WM_UNIT_TEXT_FILL_FORE_SCHEMECOLOR_INDEX" val="14"/>
+  <p:tag name="KSO_WM_UNIT_TEXT_FILL_TYPE" val="1"/>
+  <p:tag name="KSO_WM_UNIT_USESOURCEFORMAT_APPLY" val="1"/>
+</p:tagLst>
+</file>
+
+<file path=ppt/tags/tag43.xml><?xml version="1.0" encoding="utf-8"?>
+<p:tagLst xmlns:p="http://schemas.openxmlformats.org/presentationml/2006/main">
+  <p:tag name="KSO_WM_TAG_VERSION" val="1.0"/>
+  <p:tag name="KSO_WM_BEAUTIFY_FLAG" val="#wm#"/>
+  <p:tag name="KSO_WM_TEMPLATE_CATEGORY" val="custom"/>
+  <p:tag name="KSO_WM_TEMPLATE_INDEX" val="160501"/>
+  <p:tag name="MH" val="20151210175510"/>
+  <p:tag name="MH_LIBRARY" val="GRAPHIC"/>
+  <p:tag name="MH_ORDER" val="Shape"/>
+  <p:tag name="KSO_WM_UNIT_TYPE" val="l_i"/>
+  <p:tag name="KSO_WM_UNIT_INDEX" val="1_5"/>
+  <p:tag name="KSO_WM_UNIT_ID" val="custom160501_8*l_i*1_5"/>
+  <p:tag name="KSO_WM_UNIT_CLEAR" val="1"/>
+  <p:tag name="KSO_WM_UNIT_LAYERLEVEL" val="1_1"/>
+  <p:tag name="KSO_WM_DIAGRAM_GROUP_CODE" val="l1-1"/>
+  <p:tag name="KSO_WM_UNIT_FILL_FORE_SCHEMECOLOR_INDEX" val="6"/>
+  <p:tag name="KSO_WM_UNIT_FILL_TYPE" val="1"/>
+  <p:tag name="KSO_WM_UNIT_TEXT_FILL_FORE_SCHEMECOLOR_INDEX" val="14"/>
+  <p:tag name="KSO_WM_UNIT_TEXT_FILL_TYPE" val="1"/>
+  <p:tag name="KSO_WM_UNIT_USESOURCEFORMAT_APPLY" val="1"/>
+</p:tagLst>
+</file>
+
+<file path=ppt/tags/tag44.xml><?xml version="1.0" encoding="utf-8"?>
+<p:tagLst xmlns:p="http://schemas.openxmlformats.org/presentationml/2006/main">
+  <p:tag name="KSO_WM_TAG_VERSION" val="1.0"/>
+  <p:tag name="KSO_WM_BEAUTIFY_FLAG" val="#wm#"/>
+  <p:tag name="KSO_WM_TEMPLATE_CATEGORY" val="custom"/>
+  <p:tag name="KSO_WM_TEMPLATE_INDEX" val="160501"/>
+  <p:tag name="MH" val="20151210175510"/>
+  <p:tag name="MH_LIBRARY" val="GRAPHIC"/>
+  <p:tag name="MH_ORDER" val="文本框 129"/>
+  <p:tag name="KSO_WM_UNIT_TYPE" val="l_h_f"/>
+  <p:tag name="KSO_WM_UNIT_INDEX" val="1_2_1"/>
+  <p:tag name="KSO_WM_UNIT_ID" val="custom160501_8*l_h_f*1_2_1"/>
+  <p:tag name="KSO_WM_UNIT_CLEAR" val="1"/>
+  <p:tag name="KSO_WM_UNIT_LAYERLEVEL" val="1_1_1"/>
+  <p:tag name="KSO_WM_UNIT_VALUE" val="14"/>
+  <p:tag name="KSO_WM_UNIT_HIGHLIGHT" val="0"/>
+  <p:tag name="KSO_WM_UNIT_COMPATIBLE" val="0"/>
+  <p:tag name="KSO_WM_UNIT_PRESET_TEXT_INDEX" val="3"/>
+  <p:tag name="KSO_WM_UNIT_PRESET_TEXT_LEN" val="17"/>
+  <p:tag name="KSO_WM_DIAGRAM_GROUP_CODE" val="l1-1"/>
+  <p:tag name="KSO_WM_UNIT_TEXT_FILL_FORE_SCHEMECOLOR_INDEX" val="13"/>
+  <p:tag name="KSO_WM_UNIT_TEXT_FILL_TYPE" val="1"/>
+  <p:tag name="KSO_WM_UNIT_USESOURCEFORMAT_APPLY" val="1"/>
+</p:tagLst>
+</file>
+
+<file path=ppt/tags/tag45.xml><?xml version="1.0" encoding="utf-8"?>
+<p:tagLst xmlns:p="http://schemas.openxmlformats.org/presentationml/2006/main">
+  <p:tag name="KSO_WM_TAG_VERSION" val="1.0"/>
+  <p:tag name="KSO_WM_BEAUTIFY_FLAG" val="#wm#"/>
+  <p:tag name="KSO_WM_TEMPLATE_CATEGORY" val="custom"/>
+  <p:tag name="KSO_WM_TEMPLATE_INDEX" val="160501"/>
+  <p:tag name="MH" val="20151210175510"/>
+  <p:tag name="MH_LIBRARY" val="GRAPHIC"/>
+  <p:tag name="MH_ORDER" val="Rectangle 33"/>
+  <p:tag name="KSO_WM_UNIT_TYPE" val="a"/>
+  <p:tag name="KSO_WM_UNIT_INDEX" val="1"/>
+  <p:tag name="KSO_WM_UNIT_ID" val="custom160501_8*a*1"/>
+  <p:tag name="KSO_WM_UNIT_CLEAR" val="1"/>
+  <p:tag name="KSO_WM_UNIT_LAYERLEVEL" val="1"/>
+  <p:tag name="KSO_WM_UNIT_ISCONTENTSTITLE" val="1"/>
+  <p:tag name="KSO_WM_UNIT_VALUE" val="24"/>
+  <p:tag name="KSO_WM_UNIT_HIGHLIGHT" val="0"/>
+  <p:tag name="KSO_WM_UNIT_COMPATIBLE" val="0"/>
+  <p:tag name="KSO_WM_UNIT_PRESET_TEXT" val="CONTENTS"/>
+</p:tagLst>
+</file>
+
+<file path=ppt/tags/tag46.xml><?xml version="1.0" encoding="utf-8"?>
+<p:tagLst xmlns:p="http://schemas.openxmlformats.org/presentationml/2006/main">
+  <p:tag name="MH_TYPE" val="#NeiR#"/>
+  <p:tag name="MH_NUMBER" val="5"/>
+  <p:tag name="MH" val="20151210175510"/>
+  <p:tag name="MH_LIBRARY" val="GRAPHIC"/>
+  <p:tag name="KSO_WM_TEMPLATE_CATEGORY" val="custom"/>
+  <p:tag name="KSO_WM_TEMPLATE_INDEX" val="160501"/>
+  <p:tag name="KSO_WM_TAG_VERSION" val="1.0"/>
+  <p:tag name="KSO_WM_SLIDE_ID" val="custom160501_8"/>
+  <p:tag name="KSO_WM_SLIDE_INDEX" val="8"/>
+  <p:tag name="KSO_WM_SLIDE_ITEM_CNT" val="3"/>
+  <p:tag name="KSO_WM_SLIDE_LAYOUT" val="a_l"/>
+  <p:tag name="KSO_WM_SLIDE_LAYOUT_CNT" val="1_1"/>
+  <p:tag name="KSO_WM_SLIDE_TYPE" val="contents"/>
+  <p:tag name="KSO_WM_BEAUTIFY_FLAG" val="#wm#"/>
+  <p:tag name="KSO_WM_DIAGRAM_GROUP_CODE" val="l1-1"/>
+</p:tagLst>
+</file>
+
+<file path=ppt/tags/tag47.xml><?xml version="1.0" encoding="utf-8"?>
+<p:tagLst xmlns:p="http://schemas.openxmlformats.org/presentationml/2006/main">
+  <p:tag name="KSO_WM_BEAUTIFY_FLAG" val="#wm#"/>
+  <p:tag name="KSO_WM_TEMPLATE_CATEGORY" val="custom"/>
+  <p:tag name="KSO_WM_TEMPLATE_INDEX" val="160501"/>
+</p:tagLst>
+</file>
+
+<file path=ppt/tags/tag48.xml><?xml version="1.0" encoding="utf-8"?>
+<p:tagLst xmlns:p="http://schemas.openxmlformats.org/presentationml/2006/main">
+  <p:tag name="KSO_WM_BEAUTIFY_FLAG" val="#wm#"/>
+  <p:tag name="KSO_WM_TEMPLATE_CATEGORY" val="custom"/>
+  <p:tag name="KSO_WM_TEMPLATE_INDEX" val="160501"/>
+</p:tagLst>
+</file>
+
+<file path=ppt/tags/tag49.xml><?xml version="1.0" encoding="utf-8"?>
+<p:tagLst xmlns:p="http://schemas.openxmlformats.org/presentationml/2006/main">
   <p:tag name="KSO_WM_TAG_VERSION" val="1.0"/>
   <p:tag name="KSO_WM_BEAUTIFY_FLAG" val="#wm#"/>
   <p:tag name="KSO_WM_TEMPLATE_CATEGORY" val="custom"/>
@@ -10644,29 +12760,6 @@
   <p:tag name="KSO_WM_UNIT_HIGHLIGHT" val="0"/>
   <p:tag name="KSO_WM_UNIT_COMPATIBLE" val="0"/>
   <p:tag name="KSO_WM_UNIT_PRESET_TEXT" val="THANKS"/>
-</p:tagLst>
-</file>
-
-<file path=ppt/tags/tag37.xml><?xml version="1.0" encoding="utf-8"?>
-<p:tagLst xmlns:p="http://schemas.openxmlformats.org/presentationml/2006/main">
-  <p:tag name="KSO_WM_TEMPLATE_CATEGORY" val="custom"/>
-  <p:tag name="KSO_WM_TEMPLATE_INDEX" val="160501"/>
-  <p:tag name="KSO_WM_TAG_VERSION" val="1.0"/>
-  <p:tag name="KSO_WM_SLIDE_ID" val="custom160501_27"/>
-  <p:tag name="KSO_WM_SLIDE_INDEX" val="27"/>
-  <p:tag name="KSO_WM_SLIDE_ITEM_CNT" val="1"/>
-  <p:tag name="KSO_WM_SLIDE_LAYOUT" val="a"/>
-  <p:tag name="KSO_WM_SLIDE_LAYOUT_CNT" val="1"/>
-  <p:tag name="KSO_WM_SLIDE_TYPE" val="endPage"/>
-  <p:tag name="KSO_WM_BEAUTIFY_FLAG" val="#wm#"/>
-</p:tagLst>
-</file>
-
-<file path=ppt/tags/tag4.xml><?xml version="1.0" encoding="utf-8"?>
-<p:tagLst xmlns:p="http://schemas.openxmlformats.org/presentationml/2006/main">
-  <p:tag name="KSO_WM_TAG_VERSION" val="1.0"/>
-  <p:tag name="KSO_WM_TEMPLATE_CATEGORY" val="custom"/>
-  <p:tag name="KSO_WM_TEMPLATE_INDEX" val="160501"/>
 </p:tagLst>
 </file>
 
@@ -10687,6 +12780,21 @@
   <p:tag name="KSO_WM_UNIT_COMPATIBLE" val="0"/>
   <p:tag name="KSO_WM_UNIT_PRESET_TEXT_INDEX" val="3"/>
   <p:tag name="KSO_WM_UNIT_PRESET_TEXT_LEN" val="12"/>
+</p:tagLst>
+</file>
+
+<file path=ppt/tags/tag50.xml><?xml version="1.0" encoding="utf-8"?>
+<p:tagLst xmlns:p="http://schemas.openxmlformats.org/presentationml/2006/main">
+  <p:tag name="KSO_WM_TEMPLATE_CATEGORY" val="custom"/>
+  <p:tag name="KSO_WM_TEMPLATE_INDEX" val="160501"/>
+  <p:tag name="KSO_WM_TAG_VERSION" val="1.0"/>
+  <p:tag name="KSO_WM_SLIDE_ID" val="custom160501_27"/>
+  <p:tag name="KSO_WM_SLIDE_INDEX" val="27"/>
+  <p:tag name="KSO_WM_SLIDE_ITEM_CNT" val="1"/>
+  <p:tag name="KSO_WM_SLIDE_LAYOUT" val="a"/>
+  <p:tag name="KSO_WM_SLIDE_LAYOUT_CNT" val="1"/>
+  <p:tag name="KSO_WM_SLIDE_TYPE" val="endPage"/>
+  <p:tag name="KSO_WM_BEAUTIFY_FLAG" val="#wm#"/>
 </p:tagLst>
 </file>
 
@@ -10723,6 +12831,11 @@
   <p:tag name="KSO_WM_SLIDE_TYPE" val="title"/>
   <p:tag name="KSO_WM_TEMPLATE_THUMBS_INDEX" val="1、10、12、18、24、25、26、27"/>
   <p:tag name="KSO_WM_BEAUTIFY_FLAG" val="#wm#"/>
+  <p:tag name="KSO_WM_TEMPLATE_TOPIC_ID" val="2869567"/>
+  <p:tag name="KSO_WM_TEMPLATE_OUTLINE_ID" val="15"/>
+  <p:tag name="KSO_WM_TEMPLATE_SCENE_ID" val="1"/>
+  <p:tag name="KSO_WM_TEMPLATE_JOB_ID" val="2"/>
+  <p:tag name="KSO_WM_TEMPLATE_TOPIC_DEFAULT" val="1"/>
 </p:tagLst>
 </file>
 

--- a/app.xml总结.pptx
+++ b/app.xml总结.pptx
@@ -18,8 +18,10 @@
     <p:sldId id="273" r:id="rId11"/>
     <p:sldId id="275" r:id="rId12"/>
     <p:sldId id="274" r:id="rId13"/>
-    <p:sldId id="276" r:id="rId14"/>
-    <p:sldId id="262" r:id="rId15"/>
+    <p:sldId id="279" r:id="rId14"/>
+    <p:sldId id="280" r:id="rId15"/>
+    <p:sldId id="276" r:id="rId16"/>
+    <p:sldId id="262" r:id="rId17"/>
   </p:sldIdLst>
   <p:sldSz cx="12192000" cy="6858000"/>
   <p:notesSz cx="7103745" cy="10234295"/>
@@ -546,6 +548,128 @@
 </p:notes>
 </file>
 
+<file path=ppt/notesSlides/notesSlide10.xml><?xml version="1.0" encoding="utf-8"?>
+<p:notes xmlns:a="http://schemas.openxmlformats.org/drawingml/2006/main" xmlns:r="http://schemas.openxmlformats.org/officeDocument/2006/relationships" xmlns:p="http://schemas.openxmlformats.org/presentationml/2006/main">
+  <p:cSld>
+    <p:spTree>
+      <p:nvGrpSpPr>
+        <p:cNvPr id="1" name=""/>
+        <p:cNvGrpSpPr/>
+        <p:nvPr/>
+      </p:nvGrpSpPr>
+      <p:grpSpPr/>
+      <p:sp>
+        <p:nvSpPr>
+          <p:cNvPr id="2" name="幻灯片图像占位符 1"/>
+          <p:cNvSpPr/>
+          <p:nvPr>
+            <p:ph type="sldImg" idx="2"/>
+          </p:nvPr>
+        </p:nvSpPr>
+        <p:spPr/>
+      </p:sp>
+      <p:sp>
+        <p:nvSpPr>
+          <p:cNvPr id="3" name="文本占位符 2"/>
+          <p:cNvSpPr/>
+          <p:nvPr>
+            <p:ph type="body" idx="3"/>
+          </p:nvPr>
+        </p:nvSpPr>
+        <p:spPr/>
+        <p:txBody>
+          <a:bodyPr/>
+          <a:p>
+            <a:endParaRPr lang="zh-CN" altLang="en-US"/>
+          </a:p>
+        </p:txBody>
+      </p:sp>
+    </p:spTree>
+  </p:cSld>
+  <p:clrMapOvr>
+    <a:masterClrMapping/>
+  </p:clrMapOvr>
+</p:notes>
+</file>
+
+<file path=ppt/notesSlides/notesSlide11.xml><?xml version="1.0" encoding="utf-8"?>
+<p:notes xmlns:a="http://schemas.openxmlformats.org/drawingml/2006/main" xmlns:r="http://schemas.openxmlformats.org/officeDocument/2006/relationships" xmlns:p="http://schemas.openxmlformats.org/presentationml/2006/main">
+  <p:cSld>
+    <p:spTree>
+      <p:nvGrpSpPr>
+        <p:cNvPr id="1" name=""/>
+        <p:cNvGrpSpPr/>
+        <p:nvPr/>
+      </p:nvGrpSpPr>
+      <p:grpSpPr>
+        <a:xfrm>
+          <a:off x="0" y="0"/>
+          <a:ext cx="0" cy="0"/>
+          <a:chOff x="0" y="0"/>
+          <a:chExt cx="0" cy="0"/>
+        </a:xfrm>
+      </p:grpSpPr>
+      <p:sp>
+        <p:nvSpPr>
+          <p:cNvPr id="2" name="幻灯片图像占位符 1"/>
+          <p:cNvSpPr>
+            <a:spLocks noGrp="1" noRot="1" noChangeAspect="1"/>
+          </p:cNvSpPr>
+          <p:nvPr>
+            <p:ph type="sldImg"/>
+          </p:nvPr>
+        </p:nvSpPr>
+        <p:spPr/>
+      </p:sp>
+      <p:sp>
+        <p:nvSpPr>
+          <p:cNvPr id="3" name="备注占位符 2"/>
+          <p:cNvSpPr>
+            <a:spLocks noGrp="1"/>
+          </p:cNvSpPr>
+          <p:nvPr>
+            <p:ph type="body" idx="1"/>
+          </p:nvPr>
+        </p:nvSpPr>
+        <p:spPr/>
+        <p:txBody>
+          <a:bodyPr/>
+          <a:lstStyle/>
+          <a:p>
+            <a:endParaRPr lang="zh-CN" altLang="en-US"/>
+          </a:p>
+        </p:txBody>
+      </p:sp>
+      <p:sp>
+        <p:nvSpPr>
+          <p:cNvPr id="4" name="灯片编号占位符 3"/>
+          <p:cNvSpPr>
+            <a:spLocks noGrp="1"/>
+          </p:cNvSpPr>
+          <p:nvPr>
+            <p:ph type="sldNum" sz="quarter" idx="10"/>
+          </p:nvPr>
+        </p:nvSpPr>
+        <p:spPr/>
+        <p:txBody>
+          <a:bodyPr/>
+          <a:lstStyle/>
+          <a:p>
+            <a:fld id="{4A2B3AD1-FCB7-43D8-924A-C182C0F1EA44}" type="slidenum">
+              <a:rPr lang="zh-CN" altLang="en-US" smtClean="0"/>
+            </a:fld>
+            <a:endParaRPr lang="zh-CN" altLang="en-US"/>
+          </a:p>
+        </p:txBody>
+      </p:sp>
+    </p:spTree>
+  </p:cSld>
+  <p:clrMapOvr>
+    <a:masterClrMapping/>
+  </p:clrMapOvr>
+</p:notes>
+</file>
+
 <file path=ppt/notesSlides/notesSlide2.xml><?xml version="1.0" encoding="utf-8"?>
 <p:notes xmlns:a="http://schemas.openxmlformats.org/drawingml/2006/main" xmlns:r="http://schemas.openxmlformats.org/officeDocument/2006/relationships" xmlns:p="http://schemas.openxmlformats.org/presentationml/2006/main">
   <p:cSld>
@@ -864,7 +988,29 @@
             </a:r>
             <a:r>
               <a:rPr lang="zh-CN" altLang="en-US"/>
-              <a:t>文件，DTD无法约束xml，只是xml本身的一个描述，团体可一致地使用某个标准的 DTD 来交换数据</a:t>
+              <a:t>文件，DTD无法约束xml，只是xml本身的一个描述，团体可一致地使用某个标准的 DTD 来交换数据；</a:t>
+            </a:r>
+            <a:endParaRPr lang="zh-CN" altLang="en-US"/>
+          </a:p>
+          <a:p>
+            <a:endParaRPr lang="zh-CN" altLang="en-US"/>
+          </a:p>
+          <a:p>
+            <a:r>
+              <a:rPr lang="en-US" altLang="zh-CN"/>
+              <a:t>dtd</a:t>
+            </a:r>
+            <a:r>
+              <a:rPr lang="zh-CN" altLang="en-US"/>
+              <a:t>是</a:t>
+            </a:r>
+            <a:r>
+              <a:rPr lang="en-US" altLang="zh-CN"/>
+              <a:t>xml</a:t>
+            </a:r>
+            <a:r>
+              <a:rPr lang="zh-CN" altLang="en-US"/>
+              <a:t>的一个文档说明，比如代码的文档，但是你代码写错了，文档是无法约束代码的</a:t>
             </a:r>
             <a:endParaRPr lang="zh-CN" altLang="en-US"/>
           </a:p>
@@ -1054,6 +1200,46 @@
         <p:txBody>
           <a:bodyPr/>
           <a:p>
+            <a:r>
+              <a:rPr lang="en-US" altLang="zh-CN"/>
+              <a:t>BeanDefinitionReader</a:t>
+            </a:r>
+            <a:r>
+              <a:rPr lang="zh-CN" altLang="en-US"/>
+              <a:t>对</a:t>
+            </a:r>
+            <a:r>
+              <a:rPr lang="en-US" altLang="zh-CN"/>
+              <a:t>xml</a:t>
+            </a:r>
+            <a:r>
+              <a:rPr lang="zh-CN" altLang="en-US"/>
+              <a:t>进行读取的过程中，会注册下面的一群解析器对xml进行解析成对应的bean，其中顶级接口BeanDefinitionParser，文档描述说，它是一个用来处理</a:t>
+            </a:r>
+            <a:r>
+              <a:rPr lang="zh-CN" altLang="en-US" b="1" i="1" u="sng">
+                <a:solidFill>
+                  <a:srgbClr val="FF0000"/>
+                </a:solidFill>
+              </a:rPr>
+              <a:t>自定义标签 </a:t>
+            </a:r>
+            <a:r>
+              <a:rPr lang="en-US" altLang="zh-CN" b="1" i="1" u="sng">
+                <a:solidFill>
+                  <a:srgbClr val="FF0000"/>
+                </a:solidFill>
+              </a:rPr>
+              <a:t>&amp; </a:t>
+            </a:r>
+            <a:r>
+              <a:rPr lang="zh-CN" altLang="en-US" b="1" i="1" u="sng"/>
+              <a:t>顶级（&lt;beans/&gt;的直接儿子标签）标签</a:t>
+            </a:r>
+            <a:r>
+              <a:rPr lang="zh-CN" altLang="en-US"/>
+              <a:t>的接口抽象。可以实现它来将自定义的标签转化为 BeanDefinition类。</a:t>
+            </a:r>
             <a:endParaRPr lang="zh-CN" altLang="en-US"/>
           </a:p>
         </p:txBody>
@@ -1075,64 +1261,64 @@
         <p:cNvGrpSpPr/>
         <p:nvPr/>
       </p:nvGrpSpPr>
-      <p:grpSpPr>
-        <a:xfrm>
-          <a:off x="0" y="0"/>
-          <a:ext cx="0" cy="0"/>
-          <a:chOff x="0" y="0"/>
-          <a:chExt cx="0" cy="0"/>
-        </a:xfrm>
-      </p:grpSpPr>
+      <p:grpSpPr/>
       <p:sp>
         <p:nvSpPr>
           <p:cNvPr id="2" name="幻灯片图像占位符 1"/>
-          <p:cNvSpPr>
-            <a:spLocks noGrp="1" noRot="1" noChangeAspect="1"/>
-          </p:cNvSpPr>
-          <p:nvPr>
-            <p:ph type="sldImg"/>
+          <p:cNvSpPr/>
+          <p:nvPr>
+            <p:ph type="sldImg" idx="2"/>
           </p:nvPr>
         </p:nvSpPr>
         <p:spPr/>
       </p:sp>
       <p:sp>
         <p:nvSpPr>
-          <p:cNvPr id="3" name="备注占位符 2"/>
-          <p:cNvSpPr>
-            <a:spLocks noGrp="1"/>
-          </p:cNvSpPr>
-          <p:nvPr>
-            <p:ph type="body" idx="1"/>
+          <p:cNvPr id="3" name="文本占位符 2"/>
+          <p:cNvSpPr/>
+          <p:nvPr>
+            <p:ph type="body" idx="3"/>
           </p:nvPr>
         </p:nvSpPr>
         <p:spPr/>
         <p:txBody>
           <a:bodyPr/>
-          <a:lstStyle/>
-          <a:p>
-            <a:endParaRPr lang="zh-CN" altLang="en-US"/>
-          </a:p>
-        </p:txBody>
-      </p:sp>
-      <p:sp>
-        <p:nvSpPr>
-          <p:cNvPr id="4" name="灯片编号占位符 3"/>
-          <p:cNvSpPr>
-            <a:spLocks noGrp="1"/>
-          </p:cNvSpPr>
-          <p:nvPr>
-            <p:ph type="sldNum" sz="quarter" idx="10"/>
-          </p:nvPr>
-        </p:nvSpPr>
-        <p:spPr/>
-        <p:txBody>
-          <a:bodyPr/>
-          <a:lstStyle/>
-          <a:p>
-            <a:fld id="{4A2B3AD1-FCB7-43D8-924A-C182C0F1EA44}" type="slidenum">
-              <a:rPr lang="zh-CN" altLang="en-US" smtClean="0"/>
-            </a:fld>
-            <a:endParaRPr lang="zh-CN" altLang="en-US"/>
+          <a:p>
+            <a:r>
+              <a:rPr lang="zh-CN" altLang="en-US"/>
+              <a:t>首先是</a:t>
+            </a:r>
+            <a:r>
+              <a:rPr lang="en-US" altLang="zh-CN"/>
+              <a:t>config:</a:t>
+            </a:r>
+            <a:endParaRPr lang="en-US" altLang="zh-CN"/>
+          </a:p>
+          <a:p>
+            <a:r>
+              <a:rPr lang="en-US" altLang="zh-CN"/>
+              <a:t>1.</a:t>
+            </a:r>
+            <a:r>
+              <a:rPr lang="zh-CN" altLang="en-US"/>
+              <a:t>可以简化</a:t>
+            </a:r>
+            <a:r>
+              <a:rPr lang="en-US" altLang="zh-CN"/>
+              <a:t>xml</a:t>
+            </a:r>
+            <a:r>
+              <a:rPr lang="zh-CN" altLang="en-US"/>
+              <a:t>的配置</a:t>
+            </a:r>
+            <a:endParaRPr lang="zh-CN" altLang="en-US"/>
+          </a:p>
+          <a:p>
+            <a:r>
+              <a:rPr lang="en-US" altLang="zh-CN"/>
+              <a:t>2.</a:t>
+            </a:r>
+            <a:endParaRPr lang="en-US" altLang="zh-CN"/>
           </a:p>
         </p:txBody>
       </p:sp>
@@ -7081,6 +7267,510 @@
         </p:nvSpPr>
         <p:spPr/>
         <p:txBody>
+          <a:bodyPr>
+            <a:normAutofit fontScale="90000"/>
+          </a:bodyPr>
+          <a:p>
+            <a:r>
+              <a:rPr lang="en-US" altLang="zh-CN">
+                <a:sym typeface="+mn-ea"/>
+              </a:rPr>
+              <a:t>context:component-scan &amp; context:annotion-config</a:t>
+            </a:r>
+            <a:endParaRPr lang="zh-CN" altLang="en-US"/>
+          </a:p>
+        </p:txBody>
+      </p:sp>
+      <p:sp>
+        <p:nvSpPr>
+          <p:cNvPr id="4" name="文本框 3"/>
+          <p:cNvSpPr txBox="1"/>
+          <p:nvPr/>
+        </p:nvSpPr>
+        <p:spPr>
+          <a:xfrm>
+            <a:off x="153035" y="1316355"/>
+            <a:ext cx="13887450" cy="3415030"/>
+          </a:xfrm>
+          <a:prstGeom prst="rect">
+            <a:avLst/>
+          </a:prstGeom>
+          <a:noFill/>
+        </p:spPr>
+        <p:txBody>
+          <a:bodyPr wrap="square" rtlCol="0">
+            <a:spAutoFit/>
+          </a:bodyPr>
+          <a:p>
+            <a:r>
+              <a:rPr lang="zh-CN" altLang="en-US" b="1"/>
+              <a:t>public class ContextNamespaceHandler extends NamespaceHandlerSupport {</a:t>
+            </a:r>
+            <a:endParaRPr lang="zh-CN" altLang="en-US" b="1"/>
+          </a:p>
+          <a:p>
+            <a:r>
+              <a:rPr lang="zh-CN" altLang="en-US" b="1"/>
+              <a:t>  public void init() {</a:t>
+            </a:r>
+            <a:endParaRPr lang="zh-CN" altLang="en-US" b="1"/>
+          </a:p>
+          <a:p>
+            <a:r>
+              <a:rPr lang="zh-CN" altLang="en-US" b="1"/>
+              <a:t>    registerBeanDefinitionParser("property-placeholder", new </a:t>
+            </a:r>
+            <a:r>
+              <a:rPr lang="zh-CN" altLang="en-US" b="1">
+                <a:solidFill>
+                  <a:srgbClr val="FF0000"/>
+                </a:solidFill>
+              </a:rPr>
+              <a:t>PropertyPlaceholderBeanDefinitionParser</a:t>
+            </a:r>
+            <a:r>
+              <a:rPr lang="zh-CN" altLang="en-US" b="1"/>
+              <a:t>());</a:t>
+            </a:r>
+            <a:endParaRPr lang="zh-CN" altLang="en-US" b="1"/>
+          </a:p>
+          <a:p>
+            <a:r>
+              <a:rPr lang="zh-CN" altLang="en-US" b="1"/>
+              <a:t>    registerBeanDefinitionParser("property-override", new PropertyOverrideBeanDefinitionParser());</a:t>
+            </a:r>
+            <a:endParaRPr lang="zh-CN" altLang="en-US" b="1"/>
+          </a:p>
+          <a:p>
+            <a:r>
+              <a:rPr lang="zh-CN" altLang="en-US" b="1"/>
+              <a:t>    registerBeanDefinitionParser("annotation-config", new </a:t>
+            </a:r>
+            <a:r>
+              <a:rPr lang="zh-CN" altLang="en-US" b="1">
+                <a:solidFill>
+                  <a:srgbClr val="FF0000"/>
+                </a:solidFill>
+              </a:rPr>
+              <a:t>AnnotationConfigBeanDefinitionParser</a:t>
+            </a:r>
+            <a:r>
+              <a:rPr lang="zh-CN" altLang="en-US" b="1"/>
+              <a:t>());</a:t>
+            </a:r>
+            <a:endParaRPr lang="zh-CN" altLang="en-US" b="1"/>
+          </a:p>
+          <a:p>
+            <a:r>
+              <a:rPr lang="zh-CN" altLang="en-US" b="1"/>
+              <a:t>    registerBeanDefinitionParser("component-scan", new </a:t>
+            </a:r>
+            <a:r>
+              <a:rPr lang="zh-CN" altLang="en-US" b="1">
+                <a:solidFill>
+                  <a:srgbClr val="FF0000"/>
+                </a:solidFill>
+              </a:rPr>
+              <a:t>ComponentScanBeanDefinitionParser</a:t>
+            </a:r>
+            <a:r>
+              <a:rPr lang="zh-CN" altLang="en-US" b="1"/>
+              <a:t>());</a:t>
+            </a:r>
+            <a:endParaRPr lang="zh-CN" altLang="en-US" b="1"/>
+          </a:p>
+          <a:p>
+            <a:r>
+              <a:rPr lang="zh-CN" altLang="en-US" b="1"/>
+              <a:t>    registerBeanDefinitionParser("load-time-weaver", new LoadTimeWeaverBeanDefinitionParser());</a:t>
+            </a:r>
+            <a:endParaRPr lang="zh-CN" altLang="en-US" b="1"/>
+          </a:p>
+          <a:p>
+            <a:r>
+              <a:rPr lang="zh-CN" altLang="en-US" b="1"/>
+              <a:t>    registerBeanDefinitionParser("spring-configured", new SpringConfiguredBeanDefinitionParser());</a:t>
+            </a:r>
+            <a:endParaRPr lang="zh-CN" altLang="en-US" b="1"/>
+          </a:p>
+          <a:p>
+            <a:r>
+              <a:rPr lang="zh-CN" altLang="en-US" b="1"/>
+              <a:t>    registerBeanDefinitionParser("mbean-export", new MBeanExportBeanDefinitionParser());</a:t>
+            </a:r>
+            <a:endParaRPr lang="zh-CN" altLang="en-US" b="1"/>
+          </a:p>
+          <a:p>
+            <a:r>
+              <a:rPr lang="zh-CN" altLang="en-US" b="1"/>
+              <a:t>    registerBeanDefinitionParser("mbean-server", new MBeanServerBeanDefinitionParser());</a:t>
+            </a:r>
+            <a:endParaRPr lang="zh-CN" altLang="en-US" b="1"/>
+          </a:p>
+          <a:p>
+            <a:r>
+              <a:rPr lang="zh-CN" altLang="en-US" b="1"/>
+              <a:t>  }</a:t>
+            </a:r>
+            <a:endParaRPr lang="zh-CN" altLang="en-US" b="1"/>
+          </a:p>
+          <a:p>
+            <a:r>
+              <a:rPr lang="zh-CN" altLang="en-US" b="1"/>
+              <a:t>}</a:t>
+            </a:r>
+            <a:endParaRPr lang="zh-CN" altLang="en-US" b="1"/>
+          </a:p>
+        </p:txBody>
+      </p:sp>
+      <p:graphicFrame>
+        <p:nvGraphicFramePr>
+          <p:cNvPr id="5" name="对象 4"/>
+          <p:cNvGraphicFramePr/>
+          <p:nvPr/>
+        </p:nvGraphicFramePr>
+        <p:xfrm>
+          <a:off x="821690" y="1315720"/>
+          <a:ext cx="6319520" cy="4281805"/>
+        </p:xfrm>
+        <a:graphic>
+          <a:graphicData uri="http://schemas.openxmlformats.org/presentationml/2006/ole">
+            <mc:AlternateContent xmlns:mc="http://schemas.openxmlformats.org/markup-compatibility/2006">
+              <mc:Choice xmlns:v="urn:schemas-microsoft-com:vml" Requires="v">
+                <p:oleObj spid="_x0000_s6" name="" r:id="rId1" imgW="3867150" imgH="2660650" progId="Paint.Picture">
+                  <p:embed/>
+                </p:oleObj>
+              </mc:Choice>
+              <mc:Fallback>
+                <p:oleObj name="" r:id="rId1" imgW="3867150" imgH="2660650" progId="Paint.Picture">
+                  <p:embed/>
+                  <p:pic>
+                    <p:nvPicPr>
+                      <p:cNvPr id="0" name="图片 5"/>
+                      <p:cNvPicPr/>
+                      <p:nvPr/>
+                    </p:nvPicPr>
+                    <p:blipFill>
+                      <a:blip r:embed="rId2"/>
+                      <a:stretch>
+                        <a:fillRect/>
+                      </a:stretch>
+                    </p:blipFill>
+                    <p:spPr>
+                      <a:xfrm>
+                        <a:off x="821690" y="1315720"/>
+                        <a:ext cx="6319520" cy="4281805"/>
+                      </a:xfrm>
+                      <a:prstGeom prst="rect">
+                        <a:avLst/>
+                      </a:prstGeom>
+                    </p:spPr>
+                  </p:pic>
+                </p:oleObj>
+              </mc:Fallback>
+            </mc:AlternateContent>
+          </a:graphicData>
+        </a:graphic>
+      </p:graphicFrame>
+    </p:spTree>
+    <p:custDataLst>
+      <p:tags r:id="rId3"/>
+    </p:custDataLst>
+  </p:cSld>
+  <p:clrMapOvr>
+    <a:masterClrMapping/>
+  </p:clrMapOvr>
+  <p:timing>
+    <p:tnLst>
+      <p:par>
+        <p:cTn id="1" dur="indefinite" restart="never" nodeType="tmRoot">
+          <p:childTnLst>
+            <p:seq concurrent="1" nextAc="seek">
+              <p:cTn id="2" dur="indefinite" nodeType="mainSeq">
+                <p:childTnLst>
+                  <p:par>
+                    <p:cTn id="3" fill="hold">
+                      <p:stCondLst>
+                        <p:cond delay="indefinite"/>
+                      </p:stCondLst>
+                      <p:childTnLst>
+                        <p:par>
+                          <p:cTn id="4" fill="hold">
+                            <p:stCondLst>
+                              <p:cond delay="0"/>
+                            </p:stCondLst>
+                            <p:childTnLst>
+                              <p:par>
+                                <p:cTn id="5" presetID="3" presetClass="exit" presetSubtype="10" fill="hold" nodeType="clickEffect">
+                                  <p:stCondLst>
+                                    <p:cond delay="0"/>
+                                  </p:stCondLst>
+                                  <p:childTnLst>
+                                    <p:animEffect transition="out" filter="blinds(horizontal)">
+                                      <p:cBhvr>
+                                        <p:cTn id="6" dur="500"/>
+                                        <p:tgtEl>
+                                          <p:spTgt spid="5"/>
+                                        </p:tgtEl>
+                                      </p:cBhvr>
+                                    </p:animEffect>
+                                    <p:set>
+                                      <p:cBhvr>
+                                        <p:cTn id="7" dur="1" fill="hold">
+                                          <p:stCondLst>
+                                            <p:cond delay="499"/>
+                                          </p:stCondLst>
+                                        </p:cTn>
+                                        <p:tgtEl>
+                                          <p:spTgt spid="5"/>
+                                        </p:tgtEl>
+                                        <p:attrNameLst>
+                                          <p:attrName>style.visibility</p:attrName>
+                                        </p:attrNameLst>
+                                      </p:cBhvr>
+                                      <p:to>
+                                        <p:strVal val="hidden"/>
+                                      </p:to>
+                                    </p:set>
+                                  </p:childTnLst>
+                                </p:cTn>
+                              </p:par>
+                            </p:childTnLst>
+                          </p:cTn>
+                        </p:par>
+                        <p:par>
+                          <p:cTn id="8" fill="hold">
+                            <p:stCondLst>
+                              <p:cond delay="500"/>
+                            </p:stCondLst>
+                            <p:childTnLst>
+                              <p:par>
+                                <p:cTn id="9" presetID="3" presetClass="entr" presetSubtype="10" fill="hold" grpId="0" nodeType="afterEffect">
+                                  <p:stCondLst>
+                                    <p:cond delay="0"/>
+                                  </p:stCondLst>
+                                  <p:childTnLst>
+                                    <p:set>
+                                      <p:cBhvr>
+                                        <p:cTn id="10" dur="1" fill="hold">
+                                          <p:stCondLst>
+                                            <p:cond delay="0"/>
+                                          </p:stCondLst>
+                                        </p:cTn>
+                                        <p:tgtEl>
+                                          <p:spTgt spid="4"/>
+                                        </p:tgtEl>
+                                        <p:attrNameLst>
+                                          <p:attrName>style.visibility</p:attrName>
+                                        </p:attrNameLst>
+                                      </p:cBhvr>
+                                      <p:to>
+                                        <p:strVal val="visible"/>
+                                      </p:to>
+                                    </p:set>
+                                    <p:animEffect transition="in" filter="blinds(horizontal)">
+                                      <p:cBhvr>
+                                        <p:cTn id="11" dur="500"/>
+                                        <p:tgtEl>
+                                          <p:spTgt spid="4"/>
+                                        </p:tgtEl>
+                                      </p:cBhvr>
+                                    </p:animEffect>
+                                  </p:childTnLst>
+                                </p:cTn>
+                              </p:par>
+                            </p:childTnLst>
+                          </p:cTn>
+                        </p:par>
+                      </p:childTnLst>
+                    </p:cTn>
+                  </p:par>
+                </p:childTnLst>
+              </p:cTn>
+              <p:prevCondLst>
+                <p:cond evt="onPrev" delay="0">
+                  <p:tgtEl>
+                    <p:sldTgt/>
+                  </p:tgtEl>
+                </p:cond>
+              </p:prevCondLst>
+              <p:nextCondLst>
+                <p:cond evt="onNext" delay="0">
+                  <p:tgtEl>
+                    <p:sldTgt/>
+                  </p:tgtEl>
+                </p:cond>
+              </p:nextCondLst>
+            </p:seq>
+          </p:childTnLst>
+        </p:cTn>
+      </p:par>
+    </p:tnLst>
+    <p:bldLst>
+      <p:bldP spid="4" grpId="0"/>
+    </p:bldLst>
+  </p:timing>
+</p:sld>
+</file>
+
+<file path=ppt/slides/slide11.xml><?xml version="1.0" encoding="utf-8"?>
+<p:sld xmlns:a="http://schemas.openxmlformats.org/drawingml/2006/main" xmlns:r="http://schemas.openxmlformats.org/officeDocument/2006/relationships" xmlns:p="http://schemas.openxmlformats.org/presentationml/2006/main">
+  <p:cSld>
+    <p:spTree>
+      <p:nvGrpSpPr>
+        <p:cNvPr id="1" name=""/>
+        <p:cNvGrpSpPr/>
+        <p:nvPr/>
+      </p:nvGrpSpPr>
+      <p:grpSpPr/>
+      <p:sp>
+        <p:nvSpPr>
+          <p:cNvPr id="2" name="标题 1"/>
+          <p:cNvSpPr>
+            <a:spLocks noGrp="1"/>
+          </p:cNvSpPr>
+          <p:nvPr>
+            <p:ph type="title"/>
+          </p:nvPr>
+        </p:nvSpPr>
+        <p:spPr/>
+        <p:txBody>
+          <a:bodyPr>
+            <a:normAutofit fontScale="90000"/>
+          </a:bodyPr>
+          <a:p>
+            <a:r>
+              <a:rPr lang="en-US" altLang="zh-CN">
+                <a:sym typeface="+mn-ea"/>
+              </a:rPr>
+              <a:t>context:annotion-config</a:t>
+            </a:r>
+            <a:r>
+              <a:rPr lang="en-US" altLang="zh-CN">
+                <a:sym typeface="+mn-ea"/>
+              </a:rPr>
+              <a:t> &amp; </a:t>
+            </a:r>
+            <a:r>
+              <a:rPr lang="en-US" altLang="zh-CN">
+                <a:sym typeface="+mn-ea"/>
+              </a:rPr>
+              <a:t>context:component-scan</a:t>
+            </a:r>
+            <a:endParaRPr lang="zh-CN" altLang="en-US"/>
+          </a:p>
+        </p:txBody>
+      </p:sp>
+      <p:sp>
+        <p:nvSpPr>
+          <p:cNvPr id="3" name="文本框 2"/>
+          <p:cNvSpPr txBox="1"/>
+          <p:nvPr/>
+        </p:nvSpPr>
+        <p:spPr>
+          <a:xfrm>
+            <a:off x="462280" y="1322070"/>
+            <a:ext cx="5523230" cy="1568450"/>
+          </a:xfrm>
+          <a:prstGeom prst="rect">
+            <a:avLst/>
+          </a:prstGeom>
+          <a:noFill/>
+        </p:spPr>
+        <p:txBody>
+          <a:bodyPr wrap="square" rtlCol="0">
+            <a:spAutoFit/>
+          </a:bodyPr>
+          <a:p>
+            <a:pPr marL="285750" indent="-285750">
+              <a:buFont typeface="Arial" panose="020B0604020202020204" pitchFamily="34" charset="0"/>
+              <a:buChar char="•"/>
+            </a:pPr>
+            <a:r>
+              <a:rPr lang="zh-CN" altLang="en-US" sz="2400"/>
+              <a:t>为什么要用它？</a:t>
+            </a:r>
+            <a:endParaRPr lang="zh-CN" altLang="en-US" sz="2400"/>
+          </a:p>
+          <a:p>
+            <a:pPr marL="285750" indent="-285750">
+              <a:buFont typeface="Arial" panose="020B0604020202020204" pitchFamily="34" charset="0"/>
+              <a:buChar char="•"/>
+            </a:pPr>
+            <a:r>
+              <a:rPr lang="zh-CN" altLang="en-US" sz="2400"/>
+              <a:t>基本原理</a:t>
+            </a:r>
+            <a:endParaRPr lang="zh-CN" altLang="en-US" sz="2400"/>
+          </a:p>
+          <a:p>
+            <a:pPr marL="285750" indent="-285750">
+              <a:buFont typeface="Arial" panose="020B0604020202020204" pitchFamily="34" charset="0"/>
+              <a:buChar char="•"/>
+            </a:pPr>
+            <a:r>
+              <a:rPr lang="zh-CN" altLang="en-US" sz="2400"/>
+              <a:t>使用</a:t>
+            </a:r>
+            <a:endParaRPr lang="zh-CN" altLang="en-US" sz="2400"/>
+          </a:p>
+          <a:p>
+            <a:pPr marL="285750" indent="-285750">
+              <a:buFont typeface="Arial" panose="020B0604020202020204" pitchFamily="34" charset="0"/>
+              <a:buChar char="•"/>
+            </a:pPr>
+            <a:r>
+              <a:rPr lang="zh-CN" altLang="en-US" sz="2400"/>
+              <a:t>区别</a:t>
+            </a:r>
+            <a:r>
+              <a:rPr lang="en-US" altLang="zh-CN" sz="2400"/>
+              <a:t>scan &amp; config</a:t>
+            </a:r>
+            <a:endParaRPr lang="en-US" altLang="zh-CN" sz="2400"/>
+          </a:p>
+        </p:txBody>
+      </p:sp>
+    </p:spTree>
+    <p:custDataLst>
+      <p:tags r:id="rId1"/>
+    </p:custDataLst>
+  </p:cSld>
+  <p:clrMapOvr>
+    <a:masterClrMapping/>
+  </p:clrMapOvr>
+  <p:timing>
+    <p:tnLst>
+      <p:par>
+        <p:cTn id="1" dur="indefinite" restart="never" nodeType="tmRoot"/>
+      </p:par>
+    </p:tnLst>
+  </p:timing>
+</p:sld>
+</file>
+
+<file path=ppt/slides/slide12.xml><?xml version="1.0" encoding="utf-8"?>
+<p:sld xmlns:a="http://schemas.openxmlformats.org/drawingml/2006/main" xmlns:r="http://schemas.openxmlformats.org/officeDocument/2006/relationships" xmlns:p="http://schemas.openxmlformats.org/presentationml/2006/main">
+  <p:cSld>
+    <p:spTree>
+      <p:nvGrpSpPr>
+        <p:cNvPr id="1" name=""/>
+        <p:cNvGrpSpPr/>
+        <p:nvPr/>
+      </p:nvGrpSpPr>
+      <p:grpSpPr/>
+      <p:sp>
+        <p:nvSpPr>
+          <p:cNvPr id="2" name="标题 1"/>
+          <p:cNvSpPr>
+            <a:spLocks noGrp="1"/>
+          </p:cNvSpPr>
+          <p:nvPr>
+            <p:ph type="title"/>
+          </p:nvPr>
+        </p:nvSpPr>
+        <p:spPr/>
+        <p:txBody>
           <a:bodyPr/>
           <a:p>
             <a:r>
@@ -7111,7 +7801,7 @@
             </a:r>
             <a:r>
               <a:rPr lang="en-US" altLang="zh-CN"/>
-              <a:t>	app.properti</a:t>
+              <a:t>	app.properties</a:t>
             </a:r>
             <a:endParaRPr lang="en-US" altLang="zh-CN"/>
           </a:p>
@@ -7142,7 +7832,7 @@
 </p:sld>
 </file>
 
-<file path=ppt/slides/slide11.xml><?xml version="1.0" encoding="utf-8"?>
+<file path=ppt/slides/slide13.xml><?xml version="1.0" encoding="utf-8"?>
 <p:sld xmlns:a="http://schemas.openxmlformats.org/drawingml/2006/main" xmlns:r="http://schemas.openxmlformats.org/officeDocument/2006/relationships" xmlns:p="http://schemas.openxmlformats.org/presentationml/2006/main">
   <p:cSld>
     <p:spTree>
@@ -8516,7 +9206,7 @@
         </p:nvSpPr>
         <p:spPr>
           <a:xfrm>
-            <a:off x="5756910" y="4052570"/>
+            <a:off x="1066165" y="4704080"/>
             <a:ext cx="5451475" cy="1753235"/>
           </a:xfrm>
           <a:prstGeom prst="rect">
@@ -8584,7 +9274,7 @@
         </p:nvGrpSpPr>
         <p:grpSpPr>
           <a:xfrm>
-            <a:off x="6745605" y="4071620"/>
+            <a:off x="5792470" y="4071620"/>
             <a:ext cx="3054985" cy="368300"/>
             <a:chOff x="10623" y="6412"/>
             <a:chExt cx="4811" cy="580"/>
@@ -8653,6 +9343,95 @@
           </p:txBody>
         </p:sp>
       </p:grpSp>
+      <p:grpSp>
+        <p:nvGrpSpPr>
+          <p:cNvPr id="5" name="组合 4"/>
+          <p:cNvGrpSpPr/>
+          <p:nvPr/>
+        </p:nvGrpSpPr>
+        <p:grpSpPr>
+          <a:xfrm>
+            <a:off x="5798820" y="3800475"/>
+            <a:ext cx="4537710" cy="368300"/>
+            <a:chOff x="10623" y="6412"/>
+            <a:chExt cx="7146" cy="580"/>
+          </a:xfrm>
+        </p:grpSpPr>
+        <p:cxnSp>
+          <p:nvCxnSpPr>
+            <p:cNvPr id="6" name="直接箭头连接符 5"/>
+            <p:cNvCxnSpPr/>
+            <p:nvPr/>
+          </p:nvCxnSpPr>
+          <p:spPr>
+            <a:xfrm>
+              <a:off x="10623" y="6635"/>
+              <a:ext cx="2250" cy="0"/>
+            </a:xfrm>
+            <a:prstGeom prst="straightConnector1">
+              <a:avLst/>
+            </a:prstGeom>
+            <a:ln>
+              <a:tailEnd type="arrow"/>
+            </a:ln>
+          </p:spPr>
+          <p:style>
+            <a:lnRef idx="1">
+              <a:schemeClr val="accent1"/>
+            </a:lnRef>
+            <a:fillRef idx="0">
+              <a:schemeClr val="accent1"/>
+            </a:fillRef>
+            <a:effectRef idx="0">
+              <a:schemeClr val="accent1"/>
+            </a:effectRef>
+            <a:fontRef idx="minor">
+              <a:schemeClr val="tx1"/>
+            </a:fontRef>
+          </p:style>
+        </p:cxnSp>
+        <p:sp>
+          <p:nvSpPr>
+            <p:cNvPr id="9" name="文本框 8"/>
+            <p:cNvSpPr txBox="1"/>
+            <p:nvPr/>
+          </p:nvSpPr>
+          <p:spPr>
+            <a:xfrm>
+              <a:off x="13096" y="6412"/>
+              <a:ext cx="4673" cy="580"/>
+            </a:xfrm>
+            <a:prstGeom prst="rect">
+              <a:avLst/>
+            </a:prstGeom>
+            <a:noFill/>
+          </p:spPr>
+          <p:txBody>
+            <a:bodyPr wrap="square" rtlCol="0">
+              <a:spAutoFit/>
+            </a:bodyPr>
+            <a:p>
+              <a:r>
+                <a:rPr lang="en-US" altLang="zh-CN"/>
+                <a:t>html</a:t>
+              </a:r>
+              <a:r>
+                <a:rPr lang="zh-CN" altLang="en-US"/>
+                <a:t>的</a:t>
+              </a:r>
+              <a:r>
+                <a:rPr lang="en-US" altLang="zh-CN"/>
+                <a:t>&lt;a&gt; &lt;p&gt;</a:t>
+              </a:r>
+              <a:r>
+                <a:rPr lang="zh-CN" altLang="en-US"/>
+                <a:t>等</a:t>
+              </a:r>
+              <a:endParaRPr lang="zh-CN" altLang="en-US"/>
+            </a:p>
+          </p:txBody>
+        </p:sp>
+      </p:grpSp>
     </p:spTree>
     <p:custDataLst>
       <p:tags r:id="rId5"/>
@@ -8685,7 +9464,7 @@
                             </p:stCondLst>
                             <p:childTnLst>
                               <p:par>
-                                <p:cTn id="5" presetID="3" presetClass="entr" presetSubtype="10" fill="hold" grpId="0" nodeType="clickEffect">
+                                <p:cTn id="5" presetID="22" presetClass="entr" presetSubtype="8" fill="hold" nodeType="clickEffect">
                                   <p:stCondLst>
                                     <p:cond delay="0"/>
                                   </p:stCondLst>
@@ -8698,7 +9477,7 @@
                                           </p:stCondLst>
                                         </p:cTn>
                                         <p:tgtEl>
-                                          <p:spTgt spid="23"/>
+                                          <p:spTgt spid="5"/>
                                         </p:tgtEl>
                                         <p:attrNameLst>
                                           <p:attrName>style.visibility</p:attrName>
@@ -8708,11 +9487,11 @@
                                         <p:strVal val="visible"/>
                                       </p:to>
                                     </p:set>
-                                    <p:animEffect transition="in" filter="blinds(horizontal)">
+                                    <p:animEffect transition="in" filter="wipe(left)">
                                       <p:cBhvr>
-                                        <p:cTn id="7" dur="500"/>
+                                        <p:cTn id="7" dur="1000"/>
                                         <p:tgtEl>
-                                          <p:spTgt spid="23"/>
+                                          <p:spTgt spid="5"/>
                                         </p:tgtEl>
                                       </p:cBhvr>
                                     </p:animEffect>
@@ -8738,87 +9517,14 @@
                             </p:stCondLst>
                             <p:childTnLst>
                               <p:par>
-                                <p:cTn id="10" presetID="2" presetClass="exit" presetSubtype="4" fill="hold" grpId="1" nodeType="clickEffect">
-                                  <p:stCondLst>
-                                    <p:cond delay="0"/>
-                                  </p:stCondLst>
-                                  <p:childTnLst>
-                                    <p:anim calcmode="lin" valueType="num">
-                                      <p:cBhvr additive="base">
-                                        <p:cTn id="11" dur="500"/>
-                                        <p:tgtEl>
-                                          <p:spTgt spid="23"/>
-                                        </p:tgtEl>
-                                        <p:attrNameLst>
-                                          <p:attrName>ppt_x</p:attrName>
-                                        </p:attrNameLst>
-                                      </p:cBhvr>
-                                      <p:tavLst>
-                                        <p:tav tm="0">
-                                          <p:val>
-                                            <p:strVal val="ppt_x"/>
-                                          </p:val>
-                                        </p:tav>
-                                        <p:tav tm="100000">
-                                          <p:val>
-                                            <p:strVal val="ppt_x"/>
-                                          </p:val>
-                                        </p:tav>
-                                      </p:tavLst>
-                                    </p:anim>
-                                    <p:anim calcmode="lin" valueType="num">
-                                      <p:cBhvr additive="base">
-                                        <p:cTn id="12" dur="500"/>
-                                        <p:tgtEl>
-                                          <p:spTgt spid="23"/>
-                                        </p:tgtEl>
-                                        <p:attrNameLst>
-                                          <p:attrName>ppt_y</p:attrName>
-                                        </p:attrNameLst>
-                                      </p:cBhvr>
-                                      <p:tavLst>
-                                        <p:tav tm="0">
-                                          <p:val>
-                                            <p:strVal val="ppt_y"/>
-                                          </p:val>
-                                        </p:tav>
-                                        <p:tav tm="100000">
-                                          <p:val>
-                                            <p:strVal val="1+ppt_h/2"/>
-                                          </p:val>
-                                        </p:tav>
-                                      </p:tavLst>
-                                    </p:anim>
-                                    <p:set>
-                                      <p:cBhvr>
-                                        <p:cTn id="13" dur="1" fill="hold">
-                                          <p:stCondLst>
-                                            <p:cond delay="499"/>
-                                          </p:stCondLst>
-                                        </p:cTn>
-                                        <p:tgtEl>
-                                          <p:spTgt spid="23"/>
-                                        </p:tgtEl>
-                                        <p:attrNameLst>
-                                          <p:attrName>style.visibility</p:attrName>
-                                        </p:attrNameLst>
-                                      </p:cBhvr>
-                                      <p:to>
-                                        <p:strVal val="hidden"/>
-                                      </p:to>
-                                    </p:set>
-                                  </p:childTnLst>
-                                </p:cTn>
-                              </p:par>
-                              <p:par>
-                                <p:cTn id="14" presetID="22" presetClass="entr" presetSubtype="8" fill="hold" nodeType="withEffect">
+                                <p:cTn id="10" presetID="22" presetClass="entr" presetSubtype="8" fill="hold" nodeType="clickEffect">
                                   <p:stCondLst>
                                     <p:cond delay="0"/>
                                   </p:stCondLst>
                                   <p:childTnLst>
                                     <p:set>
                                       <p:cBhvr>
-                                        <p:cTn id="15" dur="1" fill="hold">
+                                        <p:cTn id="11" dur="1" fill="hold">
                                           <p:stCondLst>
                                             <p:cond delay="0"/>
                                           </p:stCondLst>
@@ -8836,7 +9542,7 @@
                                     </p:set>
                                     <p:animEffect transition="in" filter="wipe(left)">
                                       <p:cBhvr>
-                                        <p:cTn id="16" dur="1000"/>
+                                        <p:cTn id="12" dur="1000"/>
                                         <p:tgtEl>
                                           <p:spTgt spid="26"/>
                                         </p:tgtEl>
@@ -8872,10 +9578,6 @@
         </p:cTn>
       </p:par>
     </p:tnLst>
-    <p:bldLst>
-      <p:bldP spid="23" grpId="0"/>
-      <p:bldP spid="23" grpId="1"/>
-    </p:bldLst>
   </p:timing>
 </p:sld>
 </file>
@@ -10278,6 +10980,35 @@
           </p:txBody>
         </p:sp>
       </p:grpSp>
+      <p:sp>
+        <p:nvSpPr>
+          <p:cNvPr id="4" name="文本框 3"/>
+          <p:cNvSpPr txBox="1"/>
+          <p:nvPr/>
+        </p:nvSpPr>
+        <p:spPr>
+          <a:xfrm>
+            <a:off x="2813050" y="6175375"/>
+            <a:ext cx="7776845" cy="645160"/>
+          </a:xfrm>
+          <a:prstGeom prst="rect">
+            <a:avLst/>
+          </a:prstGeom>
+          <a:noFill/>
+        </p:spPr>
+        <p:txBody>
+          <a:bodyPr wrap="square" rtlCol="0" anchor="t">
+            <a:spAutoFit/>
+          </a:bodyPr>
+          <a:p>
+            <a:r>
+              <a:rPr lang="zh-CN" altLang="en-US"/>
+              <a:t>&lt;f:table&gt;  可以理解为 &lt;http://www.w3school.com.cn/furniture/f:table &gt; 唯一确定一个命名空间（类似maven的location）</a:t>
+            </a:r>
+            <a:endParaRPr lang="zh-CN" altLang="en-US"/>
+          </a:p>
+        </p:txBody>
+      </p:sp>
     </p:spTree>
     <p:custDataLst>
       <p:tags r:id="rId4"/>
@@ -10633,7 +11364,7 @@
         </p:nvSpPr>
         <p:spPr bwMode="auto">
           <a:xfrm>
-            <a:off x="5065713" y="2278063"/>
+            <a:off x="4318318" y="2253298"/>
             <a:ext cx="4470400" cy="461962"/>
           </a:xfrm>
           <a:prstGeom prst="rect">
@@ -10808,7 +11539,7 @@
         </p:nvSpPr>
         <p:spPr bwMode="auto">
           <a:xfrm>
-            <a:off x="4511675" y="2311400"/>
+            <a:off x="3764280" y="2286635"/>
             <a:ext cx="400050" cy="395288"/>
           </a:xfrm>
           <a:prstGeom prst="rect">
@@ -11020,7 +11751,7 @@
         </p:nvSpPr>
         <p:spPr bwMode="auto">
           <a:xfrm>
-            <a:off x="4511675" y="3211514"/>
+            <a:off x="3764280" y="3186749"/>
             <a:ext cx="400050" cy="395287"/>
           </a:xfrm>
           <a:prstGeom prst="rect">
@@ -11176,7 +11907,7 @@
         </p:nvSpPr>
         <p:spPr bwMode="auto">
           <a:xfrm>
-            <a:off x="4911725" y="2706688"/>
+            <a:off x="4164330" y="2681923"/>
             <a:ext cx="96838" cy="95250"/>
           </a:xfrm>
           <a:prstGeom prst="rect">
@@ -11218,7 +11949,7 @@
         </p:nvSpPr>
         <p:spPr bwMode="auto">
           <a:xfrm>
-            <a:off x="4911725" y="3603625"/>
+            <a:off x="4164330" y="3578860"/>
             <a:ext cx="96838" cy="95250"/>
           </a:xfrm>
           <a:prstGeom prst="rect">
@@ -11262,7 +11993,7 @@
         </p:nvSpPr>
         <p:spPr bwMode="auto">
           <a:xfrm>
-            <a:off x="5065713" y="3181351"/>
+            <a:off x="4318318" y="3156586"/>
             <a:ext cx="4470400" cy="460375"/>
           </a:xfrm>
           <a:prstGeom prst="rect">
@@ -11561,6 +12292,60 @@
           </a:p>
         </p:txBody>
       </p:sp>
+      <p:sp>
+        <p:nvSpPr>
+          <p:cNvPr id="2" name="文本框 1"/>
+          <p:cNvSpPr txBox="1"/>
+          <p:nvPr/>
+        </p:nvSpPr>
+        <p:spPr>
+          <a:xfrm>
+            <a:off x="4158615" y="3930650"/>
+            <a:ext cx="6188075" cy="1198880"/>
+          </a:xfrm>
+          <a:prstGeom prst="rect">
+            <a:avLst/>
+          </a:prstGeom>
+          <a:noFill/>
+        </p:spPr>
+        <p:txBody>
+          <a:bodyPr wrap="square" rtlCol="0">
+            <a:spAutoFit/>
+          </a:bodyPr>
+          <a:p>
+            <a:pPr algn="l"/>
+            <a:r>
+              <a:rPr lang="en-US" altLang="zh-CN"/>
+              <a:t>1.context:component-scan &amp; context:annotion-config</a:t>
+            </a:r>
+            <a:endParaRPr lang="en-US" altLang="zh-CN"/>
+          </a:p>
+          <a:p>
+            <a:pPr algn="l"/>
+            <a:r>
+              <a:rPr lang="en-US" altLang="zh-CN"/>
+              <a:t>2.context:property-placeholder</a:t>
+            </a:r>
+            <a:endParaRPr lang="en-US" altLang="zh-CN"/>
+          </a:p>
+          <a:p>
+            <a:pPr algn="l"/>
+            <a:r>
+              <a:rPr lang="en-US" altLang="zh-CN"/>
+              <a:t>3.import</a:t>
+            </a:r>
+            <a:endParaRPr lang="en-US" altLang="zh-CN"/>
+          </a:p>
+          <a:p>
+            <a:pPr algn="l"/>
+            <a:r>
+              <a:rPr lang="en-US" altLang="zh-CN"/>
+              <a:t>4.task:executor &amp; task:scheduler &amp; task:annotation-driven</a:t>
+            </a:r>
+            <a:endParaRPr lang="en-US" altLang="zh-CN"/>
+          </a:p>
+        </p:txBody>
+      </p:sp>
     </p:spTree>
     <p:custDataLst>
       <p:tags r:id="rId10"/>
@@ -11644,7 +12429,6 @@
           <a:p>
             <a:r>
               <a:rPr lang="zh-CN" altLang="en-US">
-                <a:ln/>
                 <a:solidFill>
                   <a:schemeClr val="tx1"/>
                 </a:solidFill>
@@ -11659,7 +12443,6 @@
               <a:t>&lt;?xml version="1.0" encoding="UTF-8"?&gt;</a:t>
             </a:r>
             <a:endParaRPr lang="zh-CN" altLang="en-US">
-              <a:ln/>
               <a:solidFill>
                 <a:schemeClr val="tx1"/>
               </a:solidFill>
@@ -12746,20 +13529,9 @@
 
 <file path=ppt/tags/tag49.xml><?xml version="1.0" encoding="utf-8"?>
 <p:tagLst xmlns:p="http://schemas.openxmlformats.org/presentationml/2006/main">
-  <p:tag name="KSO_WM_TAG_VERSION" val="1.0"/>
   <p:tag name="KSO_WM_BEAUTIFY_FLAG" val="#wm#"/>
   <p:tag name="KSO_WM_TEMPLATE_CATEGORY" val="custom"/>
   <p:tag name="KSO_WM_TEMPLATE_INDEX" val="160501"/>
-  <p:tag name="KSO_WM_UNIT_TYPE" val="a"/>
-  <p:tag name="KSO_WM_UNIT_INDEX" val="1"/>
-  <p:tag name="KSO_WM_UNIT_ID" val="custom160501_27*a*1"/>
-  <p:tag name="KSO_WM_UNIT_CLEAR" val="1"/>
-  <p:tag name="KSO_WM_UNIT_LAYERLEVEL" val="1"/>
-  <p:tag name="KSO_WM_UNIT_VALUE" val="12"/>
-  <p:tag name="KSO_WM_UNIT_ISCONTENTSTITLE" val="0"/>
-  <p:tag name="KSO_WM_UNIT_HIGHLIGHT" val="0"/>
-  <p:tag name="KSO_WM_UNIT_COMPATIBLE" val="0"/>
-  <p:tag name="KSO_WM_UNIT_PRESET_TEXT" val="THANKS"/>
 </p:tagLst>
 </file>
 
@@ -12784,6 +13556,33 @@
 </file>
 
 <file path=ppt/tags/tag50.xml><?xml version="1.0" encoding="utf-8"?>
+<p:tagLst xmlns:p="http://schemas.openxmlformats.org/presentationml/2006/main">
+  <p:tag name="KSO_WM_BEAUTIFY_FLAG" val="#wm#"/>
+  <p:tag name="KSO_WM_TEMPLATE_CATEGORY" val="custom"/>
+  <p:tag name="KSO_WM_TEMPLATE_INDEX" val="160501"/>
+</p:tagLst>
+</file>
+
+<file path=ppt/tags/tag51.xml><?xml version="1.0" encoding="utf-8"?>
+<p:tagLst xmlns:p="http://schemas.openxmlformats.org/presentationml/2006/main">
+  <p:tag name="KSO_WM_TAG_VERSION" val="1.0"/>
+  <p:tag name="KSO_WM_BEAUTIFY_FLAG" val="#wm#"/>
+  <p:tag name="KSO_WM_TEMPLATE_CATEGORY" val="custom"/>
+  <p:tag name="KSO_WM_TEMPLATE_INDEX" val="160501"/>
+  <p:tag name="KSO_WM_UNIT_TYPE" val="a"/>
+  <p:tag name="KSO_WM_UNIT_INDEX" val="1"/>
+  <p:tag name="KSO_WM_UNIT_ID" val="custom160501_27*a*1"/>
+  <p:tag name="KSO_WM_UNIT_CLEAR" val="1"/>
+  <p:tag name="KSO_WM_UNIT_LAYERLEVEL" val="1"/>
+  <p:tag name="KSO_WM_UNIT_VALUE" val="12"/>
+  <p:tag name="KSO_WM_UNIT_ISCONTENTSTITLE" val="0"/>
+  <p:tag name="KSO_WM_UNIT_HIGHLIGHT" val="0"/>
+  <p:tag name="KSO_WM_UNIT_COMPATIBLE" val="0"/>
+  <p:tag name="KSO_WM_UNIT_PRESET_TEXT" val="THANKS"/>
+</p:tagLst>
+</file>
+
+<file path=ppt/tags/tag52.xml><?xml version="1.0" encoding="utf-8"?>
 <p:tagLst xmlns:p="http://schemas.openxmlformats.org/presentationml/2006/main">
   <p:tag name="KSO_WM_TEMPLATE_CATEGORY" val="custom"/>
   <p:tag name="KSO_WM_TEMPLATE_INDEX" val="160501"/>
